--- a/DSA Mini Project PPT.pptx
+++ b/DSA Mini Project PPT.pptx
@@ -5,7 +5,7 @@
     <p:sldMasterId id="2147483814" r:id="rId1"/>
   </p:sldMasterIdLst>
   <p:notesMasterIdLst>
-    <p:notesMasterId r:id="rId14"/>
+    <p:notesMasterId r:id="rId17"/>
   </p:notesMasterIdLst>
   <p:sldIdLst>
     <p:sldId id="271" r:id="rId2"/>
@@ -14,12 +14,15 @@
     <p:sldId id="259" r:id="rId5"/>
     <p:sldId id="260" r:id="rId6"/>
     <p:sldId id="261" r:id="rId7"/>
-    <p:sldId id="262" r:id="rId8"/>
-    <p:sldId id="265" r:id="rId9"/>
-    <p:sldId id="269" r:id="rId10"/>
-    <p:sldId id="273" r:id="rId11"/>
-    <p:sldId id="270" r:id="rId12"/>
-    <p:sldId id="266" r:id="rId13"/>
+    <p:sldId id="274" r:id="rId8"/>
+    <p:sldId id="262" r:id="rId9"/>
+    <p:sldId id="265" r:id="rId10"/>
+    <p:sldId id="275" r:id="rId11"/>
+    <p:sldId id="269" r:id="rId12"/>
+    <p:sldId id="276" r:id="rId13"/>
+    <p:sldId id="273" r:id="rId14"/>
+    <p:sldId id="270" r:id="rId15"/>
+    <p:sldId id="266" r:id="rId16"/>
   </p:sldIdLst>
   <p:sldSz cx="10972800" cy="7315200"/>
   <p:notesSz cx="6858000" cy="9144000"/>
@@ -134,7 +137,7 @@
       </p15:sldGuideLst>
     </p:ext>
     <p:ext uri="http://customooxmlschemas.google.com/">
-      <go:slidesCustomData xmlns:go="http://customooxmlschemas.google.com/" xmlns:ahyp="http://schemas.microsoft.com/office/drawing/2018/hyperlinkcolor" xmlns:p15="http://schemas.microsoft.com/office/powerpoint/2012/main" xmlns:p14="http://schemas.microsoft.com/office/powerpoint/2010/main" xmlns:com="http://schemas.openxmlformats.org/drawingml/2006/compatibility" xmlns:pvml="urn:schemas-microsoft-com:office:powerpoint" xmlns:v="urn:schemas-microsoft-com:vml" xmlns:o="urn:schemas-microsoft-com:office:office" xmlns:dgm="http://schemas.openxmlformats.org/drawingml/2006/diagram" xmlns:c="http://schemas.openxmlformats.org/drawingml/2006/chart" xmlns:mv="urn:schemas-microsoft-com:mac:vml" xmlns:mc="http://schemas.openxmlformats.org/markup-compatibility/2006" xmlns="" r:id="rId18" roundtripDataSignature="AMtx7mgU6zXwSVMHHHwG30uI2Fv14DQ1Kg=="/>
+      <go:slidesCustomData xmlns="" xmlns:mc="http://schemas.openxmlformats.org/markup-compatibility/2006" xmlns:mv="urn:schemas-microsoft-com:mac:vml" xmlns:c="http://schemas.openxmlformats.org/drawingml/2006/chart" xmlns:dgm="http://schemas.openxmlformats.org/drawingml/2006/diagram" xmlns:o="urn:schemas-microsoft-com:office:office" xmlns:v="urn:schemas-microsoft-com:vml" xmlns:pvml="urn:schemas-microsoft-com:office:powerpoint" xmlns:com="http://schemas.openxmlformats.org/drawingml/2006/compatibility" xmlns:p14="http://schemas.microsoft.com/office/powerpoint/2010/main" xmlns:p15="http://schemas.microsoft.com/office/powerpoint/2012/main" xmlns:ahyp="http://schemas.microsoft.com/office/drawing/2018/hyperlinkcolor" xmlns:go="http://customooxmlschemas.google.com/" r:id="rId18" roundtripDataSignature="AMtx7mgU6zXwSVMHHHwG30uI2Fv14DQ1Kg=="/>
     </p:ext>
   </p:extLst>
 </p:presentation>
@@ -1546,7 +1549,7 @@
     </p:spTree>
     <p:extLst>
       <p:ext uri="{BB962C8B-B14F-4D97-AF65-F5344CB8AC3E}">
-        <p14:creationId xmlns:p14="http://schemas.microsoft.com/office/powerpoint/2010/main" val="1987803204"/>
+        <p14:creationId xmlns:p14="http://schemas.microsoft.com/office/powerpoint/2010/main" val="4079508069"/>
       </p:ext>
     </p:extLst>
   </p:cSld>
@@ -1556,12 +1559,12 @@
 </p:notes>
 </file>
 
-<file path=ppt/notesSlides/notesSlide2.xml><?xml version="1.0" encoding="utf-8"?>
+<file path=ppt/notesSlides/notesSlide11.xml><?xml version="1.0" encoding="utf-8"?>
 <p:notes xmlns:a="http://schemas.openxmlformats.org/drawingml/2006/main" xmlns:r="http://schemas.openxmlformats.org/officeDocument/2006/relationships" xmlns:p="http://schemas.openxmlformats.org/presentationml/2006/main" showMasterSp="0" showMasterPhAnim="0">
   <p:cSld>
     <p:spTree>
       <p:nvGrpSpPr>
-        <p:cNvPr id="1" name="Shape 93"/>
+        <p:cNvPr id="1" name="Shape 172"/>
         <p:cNvGrpSpPr/>
         <p:nvPr/>
       </p:nvGrpSpPr>
@@ -1575,7 +1578,7 @@
       </p:grpSpPr>
       <p:sp>
         <p:nvSpPr>
-          <p:cNvPr id="94" name="Google Shape;94;p2:notes"/>
+          <p:cNvPr id="173" name="Google Shape;173;p11:notes"/>
           <p:cNvSpPr txBox="1">
             <a:spLocks noGrp="1"/>
           </p:cNvSpPr>
@@ -1613,7 +1616,7 @@
       </p:sp>
       <p:sp>
         <p:nvSpPr>
-          <p:cNvPr id="95" name="Google Shape;95;p2:notes"/>
+          <p:cNvPr id="174" name="Google Shape;174;p11:notes"/>
           <p:cNvSpPr>
             <a:spLocks noGrp="1" noRot="1" noChangeAspect="1"/>
           </p:cNvSpPr>
@@ -1655,7 +1658,7 @@
     </p:spTree>
     <p:extLst>
       <p:ext uri="{BB962C8B-B14F-4D97-AF65-F5344CB8AC3E}">
-        <p14:creationId xmlns:p14="http://schemas.microsoft.com/office/powerpoint/2010/main" val="2750789601"/>
+        <p14:creationId xmlns:p14="http://schemas.microsoft.com/office/powerpoint/2010/main" val="2754505617"/>
       </p:ext>
     </p:extLst>
   </p:cSld>
@@ -1665,12 +1668,12 @@
 </p:notes>
 </file>
 
-<file path=ppt/notesSlides/notesSlide3.xml><?xml version="1.0" encoding="utf-8"?>
+<file path=ppt/notesSlides/notesSlide12.xml><?xml version="1.0" encoding="utf-8"?>
 <p:notes xmlns:a="http://schemas.openxmlformats.org/drawingml/2006/main" xmlns:r="http://schemas.openxmlformats.org/officeDocument/2006/relationships" xmlns:p="http://schemas.openxmlformats.org/presentationml/2006/main" showMasterSp="0" showMasterPhAnim="0">
   <p:cSld>
     <p:spTree>
       <p:nvGrpSpPr>
-        <p:cNvPr id="1" name="Shape 109"/>
+        <p:cNvPr id="1" name="Shape 172"/>
         <p:cNvGrpSpPr/>
         <p:nvPr/>
       </p:nvGrpSpPr>
@@ -1684,7 +1687,7 @@
       </p:grpSpPr>
       <p:sp>
         <p:nvSpPr>
-          <p:cNvPr id="110" name="Google Shape;110;p4:notes"/>
+          <p:cNvPr id="173" name="Google Shape;173;p11:notes"/>
           <p:cNvSpPr txBox="1">
             <a:spLocks noGrp="1"/>
           </p:cNvSpPr>
@@ -1722,7 +1725,7 @@
       </p:sp>
       <p:sp>
         <p:nvSpPr>
-          <p:cNvPr id="111" name="Google Shape;111;p4:notes"/>
+          <p:cNvPr id="174" name="Google Shape;174;p11:notes"/>
           <p:cNvSpPr>
             <a:spLocks noGrp="1" noRot="1" noChangeAspect="1"/>
           </p:cNvSpPr>
@@ -1764,7 +1767,7 @@
     </p:spTree>
     <p:extLst>
       <p:ext uri="{BB962C8B-B14F-4D97-AF65-F5344CB8AC3E}">
-        <p14:creationId xmlns:p14="http://schemas.microsoft.com/office/powerpoint/2010/main" val="3843088689"/>
+        <p14:creationId xmlns:p14="http://schemas.microsoft.com/office/powerpoint/2010/main" val="4079508069"/>
       </p:ext>
     </p:extLst>
   </p:cSld>
@@ -1774,12 +1777,12 @@
 </p:notes>
 </file>
 
-<file path=ppt/notesSlides/notesSlide4.xml><?xml version="1.0" encoding="utf-8"?>
+<file path=ppt/notesSlides/notesSlide13.xml><?xml version="1.0" encoding="utf-8"?>
 <p:notes xmlns:a="http://schemas.openxmlformats.org/drawingml/2006/main" xmlns:r="http://schemas.openxmlformats.org/officeDocument/2006/relationships" xmlns:p="http://schemas.openxmlformats.org/presentationml/2006/main" showMasterSp="0" showMasterPhAnim="0">
   <p:cSld>
     <p:spTree>
       <p:nvGrpSpPr>
-        <p:cNvPr id="1" name="Shape 118"/>
+        <p:cNvPr id="1" name="Shape 172"/>
         <p:cNvGrpSpPr/>
         <p:nvPr/>
       </p:nvGrpSpPr>
@@ -1793,7 +1796,7 @@
       </p:grpSpPr>
       <p:sp>
         <p:nvSpPr>
-          <p:cNvPr id="119" name="Google Shape;119;p5:notes"/>
+          <p:cNvPr id="173" name="Google Shape;173;p11:notes"/>
           <p:cNvSpPr txBox="1">
             <a:spLocks noGrp="1"/>
           </p:cNvSpPr>
@@ -1831,7 +1834,7 @@
       </p:sp>
       <p:sp>
         <p:nvSpPr>
-          <p:cNvPr id="120" name="Google Shape;120;p5:notes"/>
+          <p:cNvPr id="174" name="Google Shape;174;p11:notes"/>
           <p:cNvSpPr>
             <a:spLocks noGrp="1" noRot="1" noChangeAspect="1"/>
           </p:cNvSpPr>
@@ -1873,7 +1876,7 @@
     </p:spTree>
     <p:extLst>
       <p:ext uri="{BB962C8B-B14F-4D97-AF65-F5344CB8AC3E}">
-        <p14:creationId xmlns:p14="http://schemas.microsoft.com/office/powerpoint/2010/main" val="4260956650"/>
+        <p14:creationId xmlns:p14="http://schemas.microsoft.com/office/powerpoint/2010/main" val="1987803204"/>
       </p:ext>
     </p:extLst>
   </p:cSld>
@@ -1883,12 +1886,12 @@
 </p:notes>
 </file>
 
-<file path=ppt/notesSlides/notesSlide5.xml><?xml version="1.0" encoding="utf-8"?>
+<file path=ppt/notesSlides/notesSlide2.xml><?xml version="1.0" encoding="utf-8"?>
 <p:notes xmlns:a="http://schemas.openxmlformats.org/drawingml/2006/main" xmlns:r="http://schemas.openxmlformats.org/officeDocument/2006/relationships" xmlns:p="http://schemas.openxmlformats.org/presentationml/2006/main" showMasterSp="0" showMasterPhAnim="0">
   <p:cSld>
     <p:spTree>
       <p:nvGrpSpPr>
-        <p:cNvPr id="1" name="Shape 127"/>
+        <p:cNvPr id="1" name="Shape 93"/>
         <p:cNvGrpSpPr/>
         <p:nvPr/>
       </p:nvGrpSpPr>
@@ -1902,7 +1905,7 @@
       </p:grpSpPr>
       <p:sp>
         <p:nvSpPr>
-          <p:cNvPr id="128" name="Google Shape;128;p6:notes"/>
+          <p:cNvPr id="94" name="Google Shape;94;p2:notes"/>
           <p:cNvSpPr txBox="1">
             <a:spLocks noGrp="1"/>
           </p:cNvSpPr>
@@ -1934,13 +1937,13 @@
               </a:spcAft>
               <a:buNone/>
             </a:pPr>
-            <a:endParaRPr dirty="0"/>
-          </a:p>
-        </p:txBody>
-      </p:sp>
-      <p:sp>
-        <p:nvSpPr>
-          <p:cNvPr id="129" name="Google Shape;129;p6:notes"/>
+            <a:endParaRPr/>
+          </a:p>
+        </p:txBody>
+      </p:sp>
+      <p:sp>
+        <p:nvSpPr>
+          <p:cNvPr id="95" name="Google Shape;95;p2:notes"/>
           <p:cNvSpPr>
             <a:spLocks noGrp="1" noRot="1" noChangeAspect="1"/>
           </p:cNvSpPr>
@@ -1982,7 +1985,7 @@
     </p:spTree>
     <p:extLst>
       <p:ext uri="{BB962C8B-B14F-4D97-AF65-F5344CB8AC3E}">
-        <p14:creationId xmlns:p14="http://schemas.microsoft.com/office/powerpoint/2010/main" val="2198536283"/>
+        <p14:creationId xmlns:p14="http://schemas.microsoft.com/office/powerpoint/2010/main" val="2750789601"/>
       </p:ext>
     </p:extLst>
   </p:cSld>
@@ -1992,12 +1995,12 @@
 </p:notes>
 </file>
 
-<file path=ppt/notesSlides/notesSlide6.xml><?xml version="1.0" encoding="utf-8"?>
+<file path=ppt/notesSlides/notesSlide3.xml><?xml version="1.0" encoding="utf-8"?>
 <p:notes xmlns:a="http://schemas.openxmlformats.org/drawingml/2006/main" xmlns:r="http://schemas.openxmlformats.org/officeDocument/2006/relationships" xmlns:p="http://schemas.openxmlformats.org/presentationml/2006/main" showMasterSp="0" showMasterPhAnim="0">
   <p:cSld>
     <p:spTree>
       <p:nvGrpSpPr>
-        <p:cNvPr id="1" name="Shape 136"/>
+        <p:cNvPr id="1" name="Shape 109"/>
         <p:cNvGrpSpPr/>
         <p:nvPr/>
       </p:nvGrpSpPr>
@@ -2011,7 +2014,7 @@
       </p:grpSpPr>
       <p:sp>
         <p:nvSpPr>
-          <p:cNvPr id="137" name="Google Shape;137;p7:notes"/>
+          <p:cNvPr id="110" name="Google Shape;110;p4:notes"/>
           <p:cNvSpPr txBox="1">
             <a:spLocks noGrp="1"/>
           </p:cNvSpPr>
@@ -2049,7 +2052,7 @@
       </p:sp>
       <p:sp>
         <p:nvSpPr>
-          <p:cNvPr id="138" name="Google Shape;138;p7:notes"/>
+          <p:cNvPr id="111" name="Google Shape;111;p4:notes"/>
           <p:cNvSpPr>
             <a:spLocks noGrp="1" noRot="1" noChangeAspect="1"/>
           </p:cNvSpPr>
@@ -2091,7 +2094,7 @@
     </p:spTree>
     <p:extLst>
       <p:ext uri="{BB962C8B-B14F-4D97-AF65-F5344CB8AC3E}">
-        <p14:creationId xmlns:p14="http://schemas.microsoft.com/office/powerpoint/2010/main" val="3763756271"/>
+        <p14:creationId xmlns:p14="http://schemas.microsoft.com/office/powerpoint/2010/main" val="3843088689"/>
       </p:ext>
     </p:extLst>
   </p:cSld>
@@ -2101,12 +2104,12 @@
 </p:notes>
 </file>
 
-<file path=ppt/notesSlides/notesSlide7.xml><?xml version="1.0" encoding="utf-8"?>
+<file path=ppt/notesSlides/notesSlide4.xml><?xml version="1.0" encoding="utf-8"?>
 <p:notes xmlns:a="http://schemas.openxmlformats.org/drawingml/2006/main" xmlns:r="http://schemas.openxmlformats.org/officeDocument/2006/relationships" xmlns:p="http://schemas.openxmlformats.org/presentationml/2006/main" showMasterSp="0" showMasterPhAnim="0">
   <p:cSld>
     <p:spTree>
       <p:nvGrpSpPr>
-        <p:cNvPr id="1" name="Shape 163"/>
+        <p:cNvPr id="1" name="Shape 118"/>
         <p:cNvGrpSpPr/>
         <p:nvPr/>
       </p:nvGrpSpPr>
@@ -2120,7 +2123,7 @@
       </p:grpSpPr>
       <p:sp>
         <p:nvSpPr>
-          <p:cNvPr id="164" name="Google Shape;164;p10:notes"/>
+          <p:cNvPr id="119" name="Google Shape;119;p5:notes"/>
           <p:cNvSpPr txBox="1">
             <a:spLocks noGrp="1"/>
           </p:cNvSpPr>
@@ -2158,7 +2161,7 @@
       </p:sp>
       <p:sp>
         <p:nvSpPr>
-          <p:cNvPr id="165" name="Google Shape;165;p10:notes"/>
+          <p:cNvPr id="120" name="Google Shape;120;p5:notes"/>
           <p:cNvSpPr>
             <a:spLocks noGrp="1" noRot="1" noChangeAspect="1"/>
           </p:cNvSpPr>
@@ -2200,7 +2203,7 @@
     </p:spTree>
     <p:extLst>
       <p:ext uri="{BB962C8B-B14F-4D97-AF65-F5344CB8AC3E}">
-        <p14:creationId xmlns:p14="http://schemas.microsoft.com/office/powerpoint/2010/main" val="3722390538"/>
+        <p14:creationId xmlns:p14="http://schemas.microsoft.com/office/powerpoint/2010/main" val="4260956650"/>
       </p:ext>
     </p:extLst>
   </p:cSld>
@@ -2210,12 +2213,12 @@
 </p:notes>
 </file>
 
-<file path=ppt/notesSlides/notesSlide8.xml><?xml version="1.0" encoding="utf-8"?>
+<file path=ppt/notesSlides/notesSlide5.xml><?xml version="1.0" encoding="utf-8"?>
 <p:notes xmlns:a="http://schemas.openxmlformats.org/drawingml/2006/main" xmlns:r="http://schemas.openxmlformats.org/officeDocument/2006/relationships" xmlns:p="http://schemas.openxmlformats.org/presentationml/2006/main" showMasterSp="0" showMasterPhAnim="0">
   <p:cSld>
     <p:spTree>
       <p:nvGrpSpPr>
-        <p:cNvPr id="1" name="Shape 172"/>
+        <p:cNvPr id="1" name="Shape 127"/>
         <p:cNvGrpSpPr/>
         <p:nvPr/>
       </p:nvGrpSpPr>
@@ -2229,7 +2232,7 @@
       </p:grpSpPr>
       <p:sp>
         <p:nvSpPr>
-          <p:cNvPr id="173" name="Google Shape;173;p11:notes"/>
+          <p:cNvPr id="128" name="Google Shape;128;p6:notes"/>
           <p:cNvSpPr txBox="1">
             <a:spLocks noGrp="1"/>
           </p:cNvSpPr>
@@ -2261,13 +2264,13 @@
               </a:spcAft>
               <a:buNone/>
             </a:pPr>
-            <a:endParaRPr/>
-          </a:p>
-        </p:txBody>
-      </p:sp>
-      <p:sp>
-        <p:nvSpPr>
-          <p:cNvPr id="174" name="Google Shape;174;p11:notes"/>
+            <a:endParaRPr dirty="0"/>
+          </a:p>
+        </p:txBody>
+      </p:sp>
+      <p:sp>
+        <p:nvSpPr>
+          <p:cNvPr id="129" name="Google Shape;129;p6:notes"/>
           <p:cNvSpPr>
             <a:spLocks noGrp="1" noRot="1" noChangeAspect="1"/>
           </p:cNvSpPr>
@@ -2309,7 +2312,7 @@
     </p:spTree>
     <p:extLst>
       <p:ext uri="{BB962C8B-B14F-4D97-AF65-F5344CB8AC3E}">
-        <p14:creationId xmlns:p14="http://schemas.microsoft.com/office/powerpoint/2010/main" val="4079508069"/>
+        <p14:creationId xmlns:p14="http://schemas.microsoft.com/office/powerpoint/2010/main" val="2198536283"/>
       </p:ext>
     </p:extLst>
   </p:cSld>
@@ -2319,12 +2322,12 @@
 </p:notes>
 </file>
 
-<file path=ppt/notesSlides/notesSlide9.xml><?xml version="1.0" encoding="utf-8"?>
+<file path=ppt/notesSlides/notesSlide6.xml><?xml version="1.0" encoding="utf-8"?>
 <p:notes xmlns:a="http://schemas.openxmlformats.org/drawingml/2006/main" xmlns:r="http://schemas.openxmlformats.org/officeDocument/2006/relationships" xmlns:p="http://schemas.openxmlformats.org/presentationml/2006/main" showMasterSp="0" showMasterPhAnim="0">
   <p:cSld>
     <p:spTree>
       <p:nvGrpSpPr>
-        <p:cNvPr id="1" name="Shape 172"/>
+        <p:cNvPr id="1" name="Shape 127"/>
         <p:cNvGrpSpPr/>
         <p:nvPr/>
       </p:nvGrpSpPr>
@@ -2338,7 +2341,7 @@
       </p:grpSpPr>
       <p:sp>
         <p:nvSpPr>
-          <p:cNvPr id="173" name="Google Shape;173;p11:notes"/>
+          <p:cNvPr id="128" name="Google Shape;128;p6:notes"/>
           <p:cNvSpPr txBox="1">
             <a:spLocks noGrp="1"/>
           </p:cNvSpPr>
@@ -2370,13 +2373,13 @@
               </a:spcAft>
               <a:buNone/>
             </a:pPr>
-            <a:endParaRPr/>
-          </a:p>
-        </p:txBody>
-      </p:sp>
-      <p:sp>
-        <p:nvSpPr>
-          <p:cNvPr id="174" name="Google Shape;174;p11:notes"/>
+            <a:endParaRPr dirty="0"/>
+          </a:p>
+        </p:txBody>
+      </p:sp>
+      <p:sp>
+        <p:nvSpPr>
+          <p:cNvPr id="129" name="Google Shape;129;p6:notes"/>
           <p:cNvSpPr>
             <a:spLocks noGrp="1" noRot="1" noChangeAspect="1"/>
           </p:cNvSpPr>
@@ -2418,7 +2421,334 @@
     </p:spTree>
     <p:extLst>
       <p:ext uri="{BB962C8B-B14F-4D97-AF65-F5344CB8AC3E}">
-        <p14:creationId xmlns:p14="http://schemas.microsoft.com/office/powerpoint/2010/main" val="4079508069"/>
+        <p14:creationId xmlns:p14="http://schemas.microsoft.com/office/powerpoint/2010/main" val="2359951102"/>
+      </p:ext>
+    </p:extLst>
+  </p:cSld>
+  <p:clrMapOvr>
+    <a:masterClrMapping/>
+  </p:clrMapOvr>
+</p:notes>
+</file>
+
+<file path=ppt/notesSlides/notesSlide7.xml><?xml version="1.0" encoding="utf-8"?>
+<p:notes xmlns:a="http://schemas.openxmlformats.org/drawingml/2006/main" xmlns:r="http://schemas.openxmlformats.org/officeDocument/2006/relationships" xmlns:p="http://schemas.openxmlformats.org/presentationml/2006/main" showMasterSp="0" showMasterPhAnim="0">
+  <p:cSld>
+    <p:spTree>
+      <p:nvGrpSpPr>
+        <p:cNvPr id="1" name="Shape 136"/>
+        <p:cNvGrpSpPr/>
+        <p:nvPr/>
+      </p:nvGrpSpPr>
+      <p:grpSpPr>
+        <a:xfrm>
+          <a:off x="0" y="0"/>
+          <a:ext cx="0" cy="0"/>
+          <a:chOff x="0" y="0"/>
+          <a:chExt cx="0" cy="0"/>
+        </a:xfrm>
+      </p:grpSpPr>
+      <p:sp>
+        <p:nvSpPr>
+          <p:cNvPr id="137" name="Google Shape;137;p7:notes"/>
+          <p:cNvSpPr txBox="1">
+            <a:spLocks noGrp="1"/>
+          </p:cNvSpPr>
+          <p:nvPr>
+            <p:ph type="body" idx="1"/>
+          </p:nvPr>
+        </p:nvSpPr>
+        <p:spPr>
+          <a:xfrm>
+            <a:off x="685800" y="4343400"/>
+            <a:ext cx="5486400" cy="4114800"/>
+          </a:xfrm>
+          <a:prstGeom prst="rect">
+            <a:avLst/>
+          </a:prstGeom>
+        </p:spPr>
+        <p:txBody>
+          <a:bodyPr spcFirstLastPara="1" wrap="square" lIns="91425" tIns="45700" rIns="91425" bIns="45700" anchor="t" anchorCtr="0">
+            <a:noAutofit/>
+          </a:bodyPr>
+          <a:lstStyle/>
+          <a:p>
+            <a:pPr marL="0" lvl="0" indent="0" algn="l" rtl="0">
+              <a:spcBef>
+                <a:spcPts val="0"/>
+              </a:spcBef>
+              <a:spcAft>
+                <a:spcPts val="0"/>
+              </a:spcAft>
+              <a:buNone/>
+            </a:pPr>
+            <a:endParaRPr/>
+          </a:p>
+        </p:txBody>
+      </p:sp>
+      <p:sp>
+        <p:nvSpPr>
+          <p:cNvPr id="138" name="Google Shape;138;p7:notes"/>
+          <p:cNvSpPr>
+            <a:spLocks noGrp="1" noRot="1" noChangeAspect="1"/>
+          </p:cNvSpPr>
+          <p:nvPr>
+            <p:ph type="sldImg" idx="2"/>
+          </p:nvPr>
+        </p:nvSpPr>
+        <p:spPr>
+          <a:xfrm>
+            <a:off x="857250" y="685800"/>
+            <a:ext cx="5143500" cy="3429000"/>
+          </a:xfrm>
+          <a:custGeom>
+            <a:avLst/>
+            <a:gdLst/>
+            <a:ahLst/>
+            <a:cxnLst/>
+            <a:rect l="l" t="t" r="r" b="b"/>
+            <a:pathLst>
+              <a:path w="120000" h="120000" extrusionOk="0">
+                <a:moveTo>
+                  <a:pt x="0" y="0"/>
+                </a:moveTo>
+                <a:lnTo>
+                  <a:pt x="120000" y="0"/>
+                </a:lnTo>
+                <a:lnTo>
+                  <a:pt x="120000" y="120000"/>
+                </a:lnTo>
+                <a:lnTo>
+                  <a:pt x="0" y="120000"/>
+                </a:lnTo>
+                <a:close/>
+              </a:path>
+            </a:pathLst>
+          </a:custGeom>
+        </p:spPr>
+      </p:sp>
+    </p:spTree>
+    <p:extLst>
+      <p:ext uri="{BB962C8B-B14F-4D97-AF65-F5344CB8AC3E}">
+        <p14:creationId xmlns:p14="http://schemas.microsoft.com/office/powerpoint/2010/main" val="3763756271"/>
+      </p:ext>
+    </p:extLst>
+  </p:cSld>
+  <p:clrMapOvr>
+    <a:masterClrMapping/>
+  </p:clrMapOvr>
+</p:notes>
+</file>
+
+<file path=ppt/notesSlides/notesSlide8.xml><?xml version="1.0" encoding="utf-8"?>
+<p:notes xmlns:a="http://schemas.openxmlformats.org/drawingml/2006/main" xmlns:r="http://schemas.openxmlformats.org/officeDocument/2006/relationships" xmlns:p="http://schemas.openxmlformats.org/presentationml/2006/main" showMasterSp="0" showMasterPhAnim="0">
+  <p:cSld>
+    <p:spTree>
+      <p:nvGrpSpPr>
+        <p:cNvPr id="1" name="Shape 163"/>
+        <p:cNvGrpSpPr/>
+        <p:nvPr/>
+      </p:nvGrpSpPr>
+      <p:grpSpPr>
+        <a:xfrm>
+          <a:off x="0" y="0"/>
+          <a:ext cx="0" cy="0"/>
+          <a:chOff x="0" y="0"/>
+          <a:chExt cx="0" cy="0"/>
+        </a:xfrm>
+      </p:grpSpPr>
+      <p:sp>
+        <p:nvSpPr>
+          <p:cNvPr id="164" name="Google Shape;164;p10:notes"/>
+          <p:cNvSpPr txBox="1">
+            <a:spLocks noGrp="1"/>
+          </p:cNvSpPr>
+          <p:nvPr>
+            <p:ph type="body" idx="1"/>
+          </p:nvPr>
+        </p:nvSpPr>
+        <p:spPr>
+          <a:xfrm>
+            <a:off x="685800" y="4343400"/>
+            <a:ext cx="5486400" cy="4114800"/>
+          </a:xfrm>
+          <a:prstGeom prst="rect">
+            <a:avLst/>
+          </a:prstGeom>
+        </p:spPr>
+        <p:txBody>
+          <a:bodyPr spcFirstLastPara="1" wrap="square" lIns="91425" tIns="45700" rIns="91425" bIns="45700" anchor="t" anchorCtr="0">
+            <a:noAutofit/>
+          </a:bodyPr>
+          <a:lstStyle/>
+          <a:p>
+            <a:pPr marL="0" lvl="0" indent="0" algn="l" rtl="0">
+              <a:spcBef>
+                <a:spcPts val="0"/>
+              </a:spcBef>
+              <a:spcAft>
+                <a:spcPts val="0"/>
+              </a:spcAft>
+              <a:buNone/>
+            </a:pPr>
+            <a:endParaRPr/>
+          </a:p>
+        </p:txBody>
+      </p:sp>
+      <p:sp>
+        <p:nvSpPr>
+          <p:cNvPr id="165" name="Google Shape;165;p10:notes"/>
+          <p:cNvSpPr>
+            <a:spLocks noGrp="1" noRot="1" noChangeAspect="1"/>
+          </p:cNvSpPr>
+          <p:nvPr>
+            <p:ph type="sldImg" idx="2"/>
+          </p:nvPr>
+        </p:nvSpPr>
+        <p:spPr>
+          <a:xfrm>
+            <a:off x="857250" y="685800"/>
+            <a:ext cx="5143500" cy="3429000"/>
+          </a:xfrm>
+          <a:custGeom>
+            <a:avLst/>
+            <a:gdLst/>
+            <a:ahLst/>
+            <a:cxnLst/>
+            <a:rect l="l" t="t" r="r" b="b"/>
+            <a:pathLst>
+              <a:path w="120000" h="120000" extrusionOk="0">
+                <a:moveTo>
+                  <a:pt x="0" y="0"/>
+                </a:moveTo>
+                <a:lnTo>
+                  <a:pt x="120000" y="0"/>
+                </a:lnTo>
+                <a:lnTo>
+                  <a:pt x="120000" y="120000"/>
+                </a:lnTo>
+                <a:lnTo>
+                  <a:pt x="0" y="120000"/>
+                </a:lnTo>
+                <a:close/>
+              </a:path>
+            </a:pathLst>
+          </a:custGeom>
+        </p:spPr>
+      </p:sp>
+    </p:spTree>
+    <p:extLst>
+      <p:ext uri="{BB962C8B-B14F-4D97-AF65-F5344CB8AC3E}">
+        <p14:creationId xmlns:p14="http://schemas.microsoft.com/office/powerpoint/2010/main" val="3722390538"/>
+      </p:ext>
+    </p:extLst>
+  </p:cSld>
+  <p:clrMapOvr>
+    <a:masterClrMapping/>
+  </p:clrMapOvr>
+</p:notes>
+</file>
+
+<file path=ppt/notesSlides/notesSlide9.xml><?xml version="1.0" encoding="utf-8"?>
+<p:notes xmlns:a="http://schemas.openxmlformats.org/drawingml/2006/main" xmlns:r="http://schemas.openxmlformats.org/officeDocument/2006/relationships" xmlns:p="http://schemas.openxmlformats.org/presentationml/2006/main" showMasterSp="0" showMasterPhAnim="0">
+  <p:cSld>
+    <p:spTree>
+      <p:nvGrpSpPr>
+        <p:cNvPr id="1" name="Shape 163"/>
+        <p:cNvGrpSpPr/>
+        <p:nvPr/>
+      </p:nvGrpSpPr>
+      <p:grpSpPr>
+        <a:xfrm>
+          <a:off x="0" y="0"/>
+          <a:ext cx="0" cy="0"/>
+          <a:chOff x="0" y="0"/>
+          <a:chExt cx="0" cy="0"/>
+        </a:xfrm>
+      </p:grpSpPr>
+      <p:sp>
+        <p:nvSpPr>
+          <p:cNvPr id="164" name="Google Shape;164;p10:notes"/>
+          <p:cNvSpPr txBox="1">
+            <a:spLocks noGrp="1"/>
+          </p:cNvSpPr>
+          <p:nvPr>
+            <p:ph type="body" idx="1"/>
+          </p:nvPr>
+        </p:nvSpPr>
+        <p:spPr>
+          <a:xfrm>
+            <a:off x="685800" y="4343400"/>
+            <a:ext cx="5486400" cy="4114800"/>
+          </a:xfrm>
+          <a:prstGeom prst="rect">
+            <a:avLst/>
+          </a:prstGeom>
+        </p:spPr>
+        <p:txBody>
+          <a:bodyPr spcFirstLastPara="1" wrap="square" lIns="91425" tIns="45700" rIns="91425" bIns="45700" anchor="t" anchorCtr="0">
+            <a:noAutofit/>
+          </a:bodyPr>
+          <a:lstStyle/>
+          <a:p>
+            <a:pPr marL="0" lvl="0" indent="0" algn="l" rtl="0">
+              <a:spcBef>
+                <a:spcPts val="0"/>
+              </a:spcBef>
+              <a:spcAft>
+                <a:spcPts val="0"/>
+              </a:spcAft>
+              <a:buNone/>
+            </a:pPr>
+            <a:endParaRPr/>
+          </a:p>
+        </p:txBody>
+      </p:sp>
+      <p:sp>
+        <p:nvSpPr>
+          <p:cNvPr id="165" name="Google Shape;165;p10:notes"/>
+          <p:cNvSpPr>
+            <a:spLocks noGrp="1" noRot="1" noChangeAspect="1"/>
+          </p:cNvSpPr>
+          <p:nvPr>
+            <p:ph type="sldImg" idx="2"/>
+          </p:nvPr>
+        </p:nvSpPr>
+        <p:spPr>
+          <a:xfrm>
+            <a:off x="857250" y="685800"/>
+            <a:ext cx="5143500" cy="3429000"/>
+          </a:xfrm>
+          <a:custGeom>
+            <a:avLst/>
+            <a:gdLst/>
+            <a:ahLst/>
+            <a:cxnLst/>
+            <a:rect l="l" t="t" r="r" b="b"/>
+            <a:pathLst>
+              <a:path w="120000" h="120000" extrusionOk="0">
+                <a:moveTo>
+                  <a:pt x="0" y="0"/>
+                </a:moveTo>
+                <a:lnTo>
+                  <a:pt x="120000" y="0"/>
+                </a:lnTo>
+                <a:lnTo>
+                  <a:pt x="120000" y="120000"/>
+                </a:lnTo>
+                <a:lnTo>
+                  <a:pt x="0" y="120000"/>
+                </a:lnTo>
+                <a:close/>
+              </a:path>
+            </a:pathLst>
+          </a:custGeom>
+        </p:spPr>
+      </p:sp>
+    </p:spTree>
+    <p:extLst>
+      <p:ext uri="{BB962C8B-B14F-4D97-AF65-F5344CB8AC3E}">
+        <p14:creationId xmlns:p14="http://schemas.microsoft.com/office/powerpoint/2010/main" val="420486798"/>
       </p:ext>
     </p:extLst>
   </p:cSld>
@@ -9332,6 +9662,285 @@
   <p:cSld>
     <p:spTree>
       <p:nvGrpSpPr>
+        <p:cNvPr id="1" name="Shape 166"/>
+        <p:cNvGrpSpPr/>
+        <p:nvPr/>
+      </p:nvGrpSpPr>
+      <p:grpSpPr>
+        <a:xfrm>
+          <a:off x="0" y="0"/>
+          <a:ext cx="0" cy="0"/>
+          <a:chOff x="0" y="0"/>
+          <a:chExt cx="0" cy="0"/>
+        </a:xfrm>
+      </p:grpSpPr>
+      <p:sp>
+        <p:nvSpPr>
+          <p:cNvPr id="167" name="Google Shape;167;p10"/>
+          <p:cNvSpPr txBox="1">
+            <a:spLocks noGrp="1"/>
+          </p:cNvSpPr>
+          <p:nvPr>
+            <p:ph type="title"/>
+          </p:nvPr>
+        </p:nvSpPr>
+        <p:spPr>
+          <a:xfrm>
+            <a:off x="721611" y="433285"/>
+            <a:ext cx="8466456" cy="1402065"/>
+          </a:xfrm>
+          <a:prstGeom prst="rect">
+            <a:avLst/>
+          </a:prstGeom>
+          <a:solidFill>
+            <a:schemeClr val="accent1"/>
+          </a:solidFill>
+          <a:ln w="38100" cap="flat" cmpd="sng">
+            <a:solidFill>
+              <a:schemeClr val="lt1"/>
+            </a:solidFill>
+            <a:prstDash val="solid"/>
+            <a:round/>
+            <a:headEnd type="none" w="sm" len="sm"/>
+            <a:tailEnd type="none" w="sm" len="sm"/>
+          </a:ln>
+          <a:effectLst>
+            <a:outerShdw blurRad="40000" dist="20000" dir="5400000" rotWithShape="0">
+              <a:srgbClr val="000000">
+                <a:alpha val="37647"/>
+              </a:srgbClr>
+            </a:outerShdw>
+          </a:effectLst>
+        </p:spPr>
+        <p:txBody>
+          <a:bodyPr spcFirstLastPara="1" wrap="square" lIns="104475" tIns="52225" rIns="104475" bIns="52225" anchor="ctr" anchorCtr="0">
+            <a:normAutofit fontScale="90000"/>
+          </a:bodyPr>
+          <a:lstStyle/>
+          <a:p>
+            <a:pPr marL="0" lvl="0" indent="0" algn="ctr" rtl="0">
+              <a:spcBef>
+                <a:spcPts val="0"/>
+              </a:spcBef>
+              <a:spcAft>
+                <a:spcPts val="0"/>
+              </a:spcAft>
+              <a:buClr>
+                <a:schemeClr val="lt1"/>
+              </a:buClr>
+              <a:buSzPct val="100000"/>
+              <a:buFont typeface="Calibri"/>
+              <a:buNone/>
+            </a:pPr>
+            <a:r>
+              <a:rPr lang="en-US" dirty="0">
+                <a:solidFill>
+                  <a:schemeClr val="lt1"/>
+                </a:solidFill>
+                <a:latin typeface="Calibri"/>
+                <a:ea typeface="Calibri"/>
+                <a:cs typeface="Calibri"/>
+                <a:sym typeface="Calibri"/>
+              </a:rPr>
+              <a:t>Background / Existing System Problems </a:t>
+            </a:r>
+            <a:endParaRPr dirty="0"/>
+          </a:p>
+        </p:txBody>
+      </p:sp>
+      <p:sp>
+        <p:nvSpPr>
+          <p:cNvPr id="168" name="Google Shape;168;p10"/>
+          <p:cNvSpPr txBox="1">
+            <a:spLocks noGrp="1"/>
+          </p:cNvSpPr>
+          <p:nvPr>
+            <p:ph idx="1"/>
+          </p:nvPr>
+        </p:nvSpPr>
+        <p:spPr>
+          <a:xfrm>
+            <a:off x="636226" y="1919248"/>
+            <a:ext cx="8466457" cy="5087479"/>
+          </a:xfrm>
+          <a:prstGeom prst="rect">
+            <a:avLst/>
+          </a:prstGeom>
+          <a:noFill/>
+          <a:ln>
+            <a:noFill/>
+          </a:ln>
+        </p:spPr>
+        <p:txBody>
+          <a:bodyPr spcFirstLastPara="1" wrap="square" lIns="104475" tIns="52225" rIns="104475" bIns="52225" anchor="t" anchorCtr="0">
+            <a:noAutofit/>
+          </a:bodyPr>
+          <a:lstStyle/>
+          <a:p>
+            <a:pPr lvl="1">
+              <a:buFont typeface="Wingdings" panose="05000000000000000000" pitchFamily="2" charset="2"/>
+              <a:buChar char="v"/>
+            </a:pPr>
+            <a:r>
+              <a:rPr lang="en-US" sz="2000" b="1" i="0" dirty="0">
+                <a:effectLst/>
+                <a:latin typeface="Verdana" panose="020B0604030504040204" pitchFamily="34" charset="0"/>
+                <a:ea typeface="Verdana" panose="020B0604030504040204" pitchFamily="34" charset="0"/>
+              </a:rPr>
+              <a:t>Advantages</a:t>
+            </a:r>
+            <a:endParaRPr lang="en-US" sz="2000" dirty="0">
+              <a:latin typeface="Verdana" panose="020B0604030504040204" pitchFamily="34" charset="0"/>
+              <a:ea typeface="Verdana" panose="020B0604030504040204" pitchFamily="34" charset="0"/>
+            </a:endParaRPr>
+          </a:p>
+          <a:p>
+            <a:pPr marL="285750" indent="-285750" algn="just">
+              <a:buFont typeface="Arial" panose="020B0604020202020204" pitchFamily="34" charset="0"/>
+              <a:buChar char="•"/>
+            </a:pPr>
+            <a:r>
+              <a:rPr lang="en-US" sz="2000" b="0" i="0" dirty="0">
+                <a:effectLst/>
+                <a:latin typeface="Verdana" panose="020B0604030504040204" pitchFamily="34" charset="0"/>
+                <a:ea typeface="Verdana" panose="020B0604030504040204" pitchFamily="34" charset="0"/>
+              </a:rPr>
+              <a:t>Online booking systems save your staff time.</a:t>
+            </a:r>
+          </a:p>
+          <a:p>
+            <a:pPr marL="285750" indent="-285750" algn="just">
+              <a:buFont typeface="Arial" panose="020B0604020202020204" pitchFamily="34" charset="0"/>
+              <a:buChar char="•"/>
+            </a:pPr>
+            <a:r>
+              <a:rPr lang="en-US" sz="2000" b="0" i="0" dirty="0">
+                <a:effectLst/>
+                <a:latin typeface="Verdana" panose="020B0604030504040204" pitchFamily="34" charset="0"/>
+                <a:ea typeface="Verdana" panose="020B0604030504040204" pitchFamily="34" charset="0"/>
+              </a:rPr>
+              <a:t>Online booking systems save your staff time.</a:t>
+            </a:r>
+          </a:p>
+          <a:p>
+            <a:pPr marL="285750" indent="-285750" algn="just">
+              <a:buFont typeface="Arial" panose="020B0604020202020204" pitchFamily="34" charset="0"/>
+              <a:buChar char="•"/>
+            </a:pPr>
+            <a:r>
+              <a:rPr lang="en-US" sz="2000" b="0" i="0" dirty="0">
+                <a:effectLst/>
+                <a:latin typeface="Verdana" panose="020B0604030504040204" pitchFamily="34" charset="0"/>
+                <a:ea typeface="Verdana" panose="020B0604030504040204" pitchFamily="34" charset="0"/>
+              </a:rPr>
+              <a:t>Online booking systems save your staff time.</a:t>
+            </a:r>
+          </a:p>
+          <a:p>
+            <a:pPr marL="285750" indent="-285750" algn="just">
+              <a:buFont typeface="Arial" panose="020B0604020202020204" pitchFamily="34" charset="0"/>
+              <a:buChar char="•"/>
+            </a:pPr>
+            <a:r>
+              <a:rPr lang="en-US" sz="2000" b="0" i="0" dirty="0">
+                <a:effectLst/>
+                <a:latin typeface="Verdana" panose="020B0604030504040204" pitchFamily="34" charset="0"/>
+                <a:ea typeface="Verdana" panose="020B0604030504040204" pitchFamily="34" charset="0"/>
+              </a:rPr>
+              <a:t>Greater sales and marketing synergy.</a:t>
+            </a:r>
+          </a:p>
+          <a:p>
+            <a:pPr algn="just"/>
+            <a:endParaRPr lang="en-US" sz="2000" b="0" i="0" dirty="0">
+              <a:effectLst/>
+              <a:latin typeface="Verdana" panose="020B0604030504040204" pitchFamily="34" charset="0"/>
+              <a:ea typeface="Verdana" panose="020B0604030504040204" pitchFamily="34" charset="0"/>
+            </a:endParaRPr>
+          </a:p>
+          <a:p>
+            <a:pPr>
+              <a:buFont typeface="Wingdings" panose="05000000000000000000" pitchFamily="2" charset="2"/>
+              <a:buChar char="v"/>
+            </a:pPr>
+            <a:r>
+              <a:rPr lang="en-US" sz="2000" b="1" dirty="0">
+                <a:latin typeface="Verdana" panose="020B0604030504040204" pitchFamily="34" charset="0"/>
+                <a:ea typeface="Verdana" panose="020B0604030504040204" pitchFamily="34" charset="0"/>
+              </a:rPr>
+              <a:t>Disadvantages</a:t>
+            </a:r>
+          </a:p>
+          <a:p>
+            <a:pPr marL="285750" indent="-285750" algn="just">
+              <a:buFont typeface="Arial" panose="020B0604020202020204" pitchFamily="34" charset="0"/>
+              <a:buChar char="•"/>
+            </a:pPr>
+            <a:r>
+              <a:rPr lang="en-US" sz="2000" b="0" i="0" dirty="0">
+                <a:effectLst/>
+                <a:latin typeface="Verdana" panose="020B0604030504040204" pitchFamily="34" charset="0"/>
+                <a:ea typeface="Verdana" panose="020B0604030504040204" pitchFamily="34" charset="0"/>
+              </a:rPr>
+              <a:t>You need internet access. Reliable internet access is required to check reservations and add bookings that are made over the phone.</a:t>
+            </a:r>
+            <a:endParaRPr lang="en-IN" sz="2000" b="1" dirty="0">
+              <a:latin typeface="Verdana" panose="020B0604030504040204" pitchFamily="34" charset="0"/>
+              <a:ea typeface="Verdana" panose="020B0604030504040204" pitchFamily="34" charset="0"/>
+            </a:endParaRPr>
+          </a:p>
+        </p:txBody>
+      </p:sp>
+      <p:sp>
+        <p:nvSpPr>
+          <p:cNvPr id="3" name="Slide Number Placeholder 2"/>
+          <p:cNvSpPr>
+            <a:spLocks noGrp="1"/>
+          </p:cNvSpPr>
+          <p:nvPr>
+            <p:ph type="sldNum" sz="quarter" idx="12"/>
+          </p:nvPr>
+        </p:nvSpPr>
+        <p:spPr/>
+        <p:txBody>
+          <a:bodyPr/>
+          <a:lstStyle/>
+          <a:p>
+            <a:pPr marL="0" lvl="0" indent="0" algn="r" rtl="0">
+              <a:spcBef>
+                <a:spcPts val="0"/>
+              </a:spcBef>
+              <a:spcAft>
+                <a:spcPts val="0"/>
+              </a:spcAft>
+              <a:buNone/>
+            </a:pPr>
+            <a:fld id="{00000000-1234-1234-1234-123412341234}" type="slidenum">
+              <a:rPr lang="en-US" smtClean="0"/>
+              <a:t>10</a:t>
+            </a:fld>
+            <a:endParaRPr lang="en-US"/>
+          </a:p>
+        </p:txBody>
+      </p:sp>
+    </p:spTree>
+    <p:extLst>
+      <p:ext uri="{BB962C8B-B14F-4D97-AF65-F5344CB8AC3E}">
+        <p14:creationId xmlns:p14="http://schemas.microsoft.com/office/powerpoint/2010/main" val="1991650012"/>
+      </p:ext>
+    </p:extLst>
+  </p:cSld>
+  <p:clrMapOvr>
+    <a:masterClrMapping/>
+  </p:clrMapOvr>
+</p:sld>
+</file>
+
+<file path=ppt/slides/slide11.xml><?xml version="1.0" encoding="utf-8"?>
+<p:sld xmlns:a="http://schemas.openxmlformats.org/drawingml/2006/main" xmlns:r="http://schemas.openxmlformats.org/officeDocument/2006/relationships" xmlns:p="http://schemas.openxmlformats.org/presentationml/2006/main">
+  <p:cSld>
+    <p:spTree>
+      <p:nvGrpSpPr>
         <p:cNvPr id="1" name="Shape 175"/>
         <p:cNvGrpSpPr/>
         <p:nvPr/>
@@ -9408,6 +10017,462 @@
                   <a:schemeClr val="lt1"/>
                 </a:solidFill>
               </a:rPr>
+              <a:t>Methodology</a:t>
+            </a:r>
+            <a:endParaRPr sz="4500" dirty="0">
+              <a:solidFill>
+                <a:schemeClr val="lt1"/>
+              </a:solidFill>
+            </a:endParaRPr>
+          </a:p>
+        </p:txBody>
+      </p:sp>
+      <p:sp>
+        <p:nvSpPr>
+          <p:cNvPr id="3" name="Text Placeholder 2"/>
+          <p:cNvSpPr>
+            <a:spLocks noGrp="1"/>
+          </p:cNvSpPr>
+          <p:nvPr>
+            <p:ph idx="1"/>
+          </p:nvPr>
+        </p:nvSpPr>
+        <p:spPr>
+          <a:xfrm>
+            <a:off x="548640" y="1704031"/>
+            <a:ext cx="9875520" cy="4827694"/>
+          </a:xfrm>
+        </p:spPr>
+        <p:txBody>
+          <a:bodyPr>
+            <a:normAutofit/>
+          </a:bodyPr>
+          <a:lstStyle/>
+          <a:p>
+            <a:pPr>
+              <a:buFont typeface="Wingdings" panose="05000000000000000000" pitchFamily="2" charset="2"/>
+              <a:buChar char="v"/>
+            </a:pPr>
+            <a:r>
+              <a:rPr lang="en-IN" sz="2000" b="1" i="0" dirty="0">
+                <a:effectLst/>
+                <a:latin typeface="Verdana" panose="020B0604030504040204" pitchFamily="34" charset="0"/>
+              </a:rPr>
+              <a:t>Install of  Bus Information</a:t>
+            </a:r>
+          </a:p>
+          <a:p>
+            <a:pPr marL="0" indent="0" algn="just">
+              <a:buNone/>
+            </a:pPr>
+            <a:r>
+              <a:rPr lang="en-US" sz="2000" b="0" i="0" dirty="0">
+                <a:effectLst/>
+                <a:latin typeface="Verdana" panose="020B0604030504040204" pitchFamily="34" charset="0"/>
+                <a:ea typeface="Verdana" panose="020B0604030504040204" pitchFamily="34" charset="0"/>
+                <a:cs typeface="Times New Roman" panose="02020603050405020304" pitchFamily="18" charset="0"/>
+              </a:rPr>
+              <a:t>This feature allows you to install a typical bus information before it can be reserved by the passengers or shown in buses available. It includes the bus no., driver’s name, arrival time, departure time and destination (from and to) of the bus.</a:t>
+            </a:r>
+          </a:p>
+          <a:p>
+            <a:pPr marL="0" indent="0" algn="just">
+              <a:buNone/>
+            </a:pPr>
+            <a:endParaRPr lang="en-IN" sz="2000" b="1" i="0" dirty="0">
+              <a:effectLst/>
+              <a:latin typeface="Verdana" panose="020B0604030504040204" pitchFamily="34" charset="0"/>
+              <a:ea typeface="Verdana" panose="020B0604030504040204" pitchFamily="34" charset="0"/>
+              <a:cs typeface="Times New Roman" panose="02020603050405020304" pitchFamily="18" charset="0"/>
+            </a:endParaRPr>
+          </a:p>
+          <a:p>
+            <a:pPr>
+              <a:buFont typeface="Wingdings" panose="05000000000000000000" pitchFamily="2" charset="2"/>
+              <a:buChar char="v"/>
+            </a:pPr>
+            <a:r>
+              <a:rPr lang="en-IN" sz="2000" b="1" i="0" dirty="0">
+                <a:effectLst/>
+                <a:latin typeface="Verdana" panose="020B0604030504040204" pitchFamily="34" charset="0"/>
+              </a:rPr>
+              <a:t>Reservation</a:t>
+            </a:r>
+          </a:p>
+          <a:p>
+            <a:pPr marL="0" indent="0" algn="just">
+              <a:buNone/>
+            </a:pPr>
+            <a:r>
+              <a:rPr lang="en-US" sz="2000" b="0" i="0" dirty="0">
+                <a:effectLst/>
+                <a:latin typeface="Verdana" panose="020B0604030504040204" pitchFamily="34" charset="0"/>
+              </a:rPr>
+              <a:t>This feature is very simple; it includes the bus no., seat number and the passenger’s name. The seat number of the particular bus is reserved under the passenger’s name.</a:t>
+            </a:r>
+            <a:endParaRPr lang="en-IN" sz="2000" dirty="0"/>
+          </a:p>
+          <a:p>
+            <a:pPr marL="0" indent="0">
+              <a:buNone/>
+            </a:pPr>
+            <a:endParaRPr lang="en-IN" sz="2000" b="1" i="0" dirty="0">
+              <a:effectLst/>
+              <a:latin typeface="Verdana" panose="020B0604030504040204" pitchFamily="34" charset="0"/>
+            </a:endParaRPr>
+          </a:p>
+        </p:txBody>
+      </p:sp>
+      <p:sp>
+        <p:nvSpPr>
+          <p:cNvPr id="5" name="Slide Number Placeholder 4"/>
+          <p:cNvSpPr>
+            <a:spLocks noGrp="1"/>
+          </p:cNvSpPr>
+          <p:nvPr>
+            <p:ph type="sldNum" sz="quarter" idx="12"/>
+          </p:nvPr>
+        </p:nvSpPr>
+        <p:spPr/>
+        <p:txBody>
+          <a:bodyPr/>
+          <a:lstStyle/>
+          <a:p>
+            <a:pPr marL="0" lvl="0" indent="0" algn="r" rtl="0">
+              <a:spcBef>
+                <a:spcPts val="0"/>
+              </a:spcBef>
+              <a:spcAft>
+                <a:spcPts val="0"/>
+              </a:spcAft>
+              <a:buNone/>
+            </a:pPr>
+            <a:fld id="{00000000-1234-1234-1234-123412341234}" type="slidenum">
+              <a:rPr lang="en-US" smtClean="0"/>
+              <a:t>11</a:t>
+            </a:fld>
+            <a:endParaRPr lang="en-US"/>
+          </a:p>
+        </p:txBody>
+      </p:sp>
+    </p:spTree>
+    <p:extLst>
+      <p:ext uri="{BB962C8B-B14F-4D97-AF65-F5344CB8AC3E}">
+        <p14:creationId xmlns:p14="http://schemas.microsoft.com/office/powerpoint/2010/main" val="3179599293"/>
+      </p:ext>
+    </p:extLst>
+  </p:cSld>
+  <p:clrMapOvr>
+    <a:masterClrMapping/>
+  </p:clrMapOvr>
+</p:sld>
+</file>
+
+<file path=ppt/slides/slide12.xml><?xml version="1.0" encoding="utf-8"?>
+<p:sld xmlns:a="http://schemas.openxmlformats.org/drawingml/2006/main" xmlns:r="http://schemas.openxmlformats.org/officeDocument/2006/relationships" xmlns:p="http://schemas.openxmlformats.org/presentationml/2006/main">
+  <p:cSld>
+    <p:spTree>
+      <p:nvGrpSpPr>
+        <p:cNvPr id="1" name="Shape 175"/>
+        <p:cNvGrpSpPr/>
+        <p:nvPr/>
+      </p:nvGrpSpPr>
+      <p:grpSpPr>
+        <a:xfrm>
+          <a:off x="0" y="0"/>
+          <a:ext cx="0" cy="0"/>
+          <a:chOff x="0" y="0"/>
+          <a:chExt cx="0" cy="0"/>
+        </a:xfrm>
+      </p:grpSpPr>
+      <p:sp>
+        <p:nvSpPr>
+          <p:cNvPr id="176" name="Google Shape;176;p11"/>
+          <p:cNvSpPr txBox="1">
+            <a:spLocks noGrp="1"/>
+          </p:cNvSpPr>
+          <p:nvPr>
+            <p:ph type="title"/>
+          </p:nvPr>
+        </p:nvSpPr>
+        <p:spPr>
+          <a:xfrm>
+            <a:off x="0" y="0"/>
+            <a:ext cx="10972800" cy="1219200"/>
+          </a:xfrm>
+          <a:prstGeom prst="rect">
+            <a:avLst/>
+          </a:prstGeom>
+          <a:solidFill>
+            <a:schemeClr val="accent1"/>
+          </a:solidFill>
+          <a:ln w="38100" cap="flat" cmpd="sng">
+            <a:solidFill>
+              <a:schemeClr val="lt1"/>
+            </a:solidFill>
+            <a:prstDash val="solid"/>
+            <a:round/>
+            <a:headEnd type="none" w="sm" len="sm"/>
+            <a:tailEnd type="none" w="sm" len="sm"/>
+          </a:ln>
+          <a:effectLst>
+            <a:outerShdw blurRad="40000" dist="20000" dir="5400000" rotWithShape="0">
+              <a:srgbClr val="000000">
+                <a:alpha val="37647"/>
+              </a:srgbClr>
+            </a:outerShdw>
+          </a:effectLst>
+        </p:spPr>
+        <p:txBody>
+          <a:bodyPr spcFirstLastPara="1" wrap="square" lIns="104475" tIns="52225" rIns="104475" bIns="52225" anchor="ctr" anchorCtr="0">
+            <a:normAutofit/>
+          </a:bodyPr>
+          <a:lstStyle/>
+          <a:p>
+            <a:pPr marL="0" lvl="0" indent="0" algn="ctr" rtl="0">
+              <a:spcBef>
+                <a:spcPts val="0"/>
+              </a:spcBef>
+              <a:spcAft>
+                <a:spcPts val="0"/>
+              </a:spcAft>
+              <a:buClr>
+                <a:schemeClr val="lt1"/>
+              </a:buClr>
+              <a:buSzPts val="5000"/>
+              <a:buFont typeface="Calibri"/>
+              <a:buNone/>
+            </a:pPr>
+            <a:r>
+              <a:rPr lang="en-IN" sz="4500" dirty="0">
+                <a:solidFill>
+                  <a:schemeClr val="lt1"/>
+                </a:solidFill>
+              </a:rPr>
+              <a:t>Methodology</a:t>
+            </a:r>
+            <a:endParaRPr sz="4500" dirty="0">
+              <a:solidFill>
+                <a:schemeClr val="lt1"/>
+              </a:solidFill>
+            </a:endParaRPr>
+          </a:p>
+        </p:txBody>
+      </p:sp>
+      <p:sp>
+        <p:nvSpPr>
+          <p:cNvPr id="3" name="Text Placeholder 2"/>
+          <p:cNvSpPr>
+            <a:spLocks noGrp="1"/>
+          </p:cNvSpPr>
+          <p:nvPr>
+            <p:ph idx="1"/>
+          </p:nvPr>
+        </p:nvSpPr>
+        <p:spPr>
+          <a:xfrm>
+            <a:off x="548640" y="1770132"/>
+            <a:ext cx="9875520" cy="4827694"/>
+          </a:xfrm>
+        </p:spPr>
+        <p:txBody>
+          <a:bodyPr>
+            <a:normAutofit/>
+          </a:bodyPr>
+          <a:lstStyle/>
+          <a:p>
+            <a:pPr>
+              <a:buFont typeface="Wingdings" panose="05000000000000000000" pitchFamily="2" charset="2"/>
+              <a:buChar char="v"/>
+            </a:pPr>
+            <a:r>
+              <a:rPr lang="en-IN" sz="2000" b="1" i="0" dirty="0">
+                <a:effectLst/>
+                <a:latin typeface="Verdana" panose="020B0604030504040204" pitchFamily="34" charset="0"/>
+                <a:ea typeface="Verdana" panose="020B0604030504040204" pitchFamily="34" charset="0"/>
+              </a:rPr>
+              <a:t>Show Reservation Information</a:t>
+            </a:r>
+          </a:p>
+          <a:p>
+            <a:pPr marL="0" indent="0" algn="just">
+              <a:buNone/>
+            </a:pPr>
+            <a:r>
+              <a:rPr lang="en-US" sz="2000" b="0" i="0" dirty="0">
+                <a:effectLst/>
+                <a:latin typeface="Verdana" panose="020B0604030504040204" pitchFamily="34" charset="0"/>
+              </a:rPr>
+              <a:t>This feature is very simple; it includes the bus no., seat number and the passenger’s name. The seat number of the particular bus is reserved under the passenger’s name.</a:t>
+            </a:r>
+          </a:p>
+          <a:p>
+            <a:pPr marL="0" indent="0" algn="just">
+              <a:buNone/>
+            </a:pPr>
+            <a:endParaRPr lang="en-IN" sz="2000" b="1" i="0" dirty="0">
+              <a:effectLst/>
+              <a:latin typeface="Verdana" panose="020B0604030504040204" pitchFamily="34" charset="0"/>
+              <a:ea typeface="Verdana" panose="020B0604030504040204" pitchFamily="34" charset="0"/>
+            </a:endParaRPr>
+          </a:p>
+          <a:p>
+            <a:pPr>
+              <a:buFont typeface="Wingdings" panose="05000000000000000000" pitchFamily="2" charset="2"/>
+              <a:buChar char="v"/>
+            </a:pPr>
+            <a:r>
+              <a:rPr lang="en-IN" sz="2000" b="1" i="0" dirty="0">
+                <a:effectLst/>
+                <a:latin typeface="Verdana" panose="020B0604030504040204" pitchFamily="34" charset="0"/>
+              </a:rPr>
+              <a:t>Buses Available</a:t>
+            </a:r>
+          </a:p>
+          <a:p>
+            <a:pPr marL="0" indent="0" algn="just">
+              <a:buNone/>
+            </a:pPr>
+            <a:r>
+              <a:rPr lang="en-US" sz="2000" b="0" i="0" dirty="0">
+                <a:effectLst/>
+                <a:latin typeface="Verdana" panose="020B0604030504040204" pitchFamily="34" charset="0"/>
+              </a:rPr>
+              <a:t>This feature simply shows the buses available for reservation, and the information regarding the bus no. stored under the first feature.</a:t>
+            </a:r>
+            <a:endParaRPr lang="en-IN" sz="2000" dirty="0">
+              <a:latin typeface="Verdana" panose="020B0604030504040204" pitchFamily="34" charset="0"/>
+              <a:ea typeface="Verdana" panose="020B0604030504040204" pitchFamily="34" charset="0"/>
+            </a:endParaRPr>
+          </a:p>
+        </p:txBody>
+      </p:sp>
+      <p:sp>
+        <p:nvSpPr>
+          <p:cNvPr id="5" name="Slide Number Placeholder 4"/>
+          <p:cNvSpPr>
+            <a:spLocks noGrp="1"/>
+          </p:cNvSpPr>
+          <p:nvPr>
+            <p:ph type="sldNum" sz="quarter" idx="12"/>
+          </p:nvPr>
+        </p:nvSpPr>
+        <p:spPr/>
+        <p:txBody>
+          <a:bodyPr/>
+          <a:lstStyle/>
+          <a:p>
+            <a:pPr marL="0" lvl="0" indent="0" algn="r" rtl="0">
+              <a:spcBef>
+                <a:spcPts val="0"/>
+              </a:spcBef>
+              <a:spcAft>
+                <a:spcPts val="0"/>
+              </a:spcAft>
+              <a:buNone/>
+            </a:pPr>
+            <a:fld id="{00000000-1234-1234-1234-123412341234}" type="slidenum">
+              <a:rPr lang="en-US" smtClean="0"/>
+              <a:t>12</a:t>
+            </a:fld>
+            <a:endParaRPr lang="en-US"/>
+          </a:p>
+        </p:txBody>
+      </p:sp>
+    </p:spTree>
+    <p:extLst>
+      <p:ext uri="{BB962C8B-B14F-4D97-AF65-F5344CB8AC3E}">
+        <p14:creationId xmlns:p14="http://schemas.microsoft.com/office/powerpoint/2010/main" val="3801578623"/>
+      </p:ext>
+    </p:extLst>
+  </p:cSld>
+  <p:clrMapOvr>
+    <a:masterClrMapping/>
+  </p:clrMapOvr>
+</p:sld>
+</file>
+
+<file path=ppt/slides/slide13.xml><?xml version="1.0" encoding="utf-8"?>
+<p:sld xmlns:a="http://schemas.openxmlformats.org/drawingml/2006/main" xmlns:r="http://schemas.openxmlformats.org/officeDocument/2006/relationships" xmlns:p="http://schemas.openxmlformats.org/presentationml/2006/main">
+  <p:cSld>
+    <p:spTree>
+      <p:nvGrpSpPr>
+        <p:cNvPr id="1" name="Shape 175"/>
+        <p:cNvGrpSpPr/>
+        <p:nvPr/>
+      </p:nvGrpSpPr>
+      <p:grpSpPr>
+        <a:xfrm>
+          <a:off x="0" y="0"/>
+          <a:ext cx="0" cy="0"/>
+          <a:chOff x="0" y="0"/>
+          <a:chExt cx="0" cy="0"/>
+        </a:xfrm>
+      </p:grpSpPr>
+      <p:sp>
+        <p:nvSpPr>
+          <p:cNvPr id="176" name="Google Shape;176;p11"/>
+          <p:cNvSpPr txBox="1">
+            <a:spLocks noGrp="1"/>
+          </p:cNvSpPr>
+          <p:nvPr>
+            <p:ph type="title"/>
+          </p:nvPr>
+        </p:nvSpPr>
+        <p:spPr>
+          <a:xfrm>
+            <a:off x="0" y="0"/>
+            <a:ext cx="10972800" cy="1219200"/>
+          </a:xfrm>
+          <a:prstGeom prst="rect">
+            <a:avLst/>
+          </a:prstGeom>
+          <a:solidFill>
+            <a:schemeClr val="accent1"/>
+          </a:solidFill>
+          <a:ln w="38100" cap="flat" cmpd="sng">
+            <a:solidFill>
+              <a:schemeClr val="lt1"/>
+            </a:solidFill>
+            <a:prstDash val="solid"/>
+            <a:round/>
+            <a:headEnd type="none" w="sm" len="sm"/>
+            <a:tailEnd type="none" w="sm" len="sm"/>
+          </a:ln>
+          <a:effectLst>
+            <a:outerShdw blurRad="40000" dist="20000" dir="5400000" rotWithShape="0">
+              <a:srgbClr val="000000">
+                <a:alpha val="37647"/>
+              </a:srgbClr>
+            </a:outerShdw>
+          </a:effectLst>
+        </p:spPr>
+        <p:txBody>
+          <a:bodyPr spcFirstLastPara="1" wrap="square" lIns="104475" tIns="52225" rIns="104475" bIns="52225" anchor="ctr" anchorCtr="0">
+            <a:normAutofit/>
+          </a:bodyPr>
+          <a:lstStyle/>
+          <a:p>
+            <a:pPr marL="0" lvl="0" indent="0" algn="ctr" rtl="0">
+              <a:spcBef>
+                <a:spcPts val="0"/>
+              </a:spcBef>
+              <a:spcAft>
+                <a:spcPts val="0"/>
+              </a:spcAft>
+              <a:buClr>
+                <a:schemeClr val="lt1"/>
+              </a:buClr>
+              <a:buSzPts val="5000"/>
+              <a:buFont typeface="Calibri"/>
+              <a:buNone/>
+            </a:pPr>
+            <a:r>
+              <a:rPr lang="en-IN" sz="4500" dirty="0">
+                <a:solidFill>
+                  <a:schemeClr val="lt1"/>
+                </a:solidFill>
+              </a:rPr>
               <a:t>Implementation</a:t>
             </a:r>
             <a:endParaRPr sz="4500" dirty="0">
@@ -9486,7 +10551,7 @@
             </a:pPr>
             <a:fld id="{00000000-1234-1234-1234-123412341234}" type="slidenum">
               <a:rPr lang="en-US" smtClean="0"/>
-              <a:t>10</a:t>
+              <a:t>13</a:t>
             </a:fld>
             <a:endParaRPr lang="en-US"/>
           </a:p>
@@ -9565,7 +10630,7 @@
 </p:sld>
 </file>
 
-<file path=ppt/slides/slide11.xml><?xml version="1.0" encoding="utf-8"?>
+<file path=ppt/slides/slide14.xml><?xml version="1.0" encoding="utf-8"?>
 <p:sld xmlns:a="http://schemas.openxmlformats.org/drawingml/2006/main" xmlns:r="http://schemas.openxmlformats.org/officeDocument/2006/relationships" xmlns:p="http://schemas.openxmlformats.org/presentationml/2006/main">
   <p:cSld>
     <p:spTree>
@@ -9735,9 +10800,57 @@
             </a:pPr>
             <a:fld id="{00000000-1234-1234-1234-123412341234}" type="slidenum">
               <a:rPr lang="en-US" smtClean="0"/>
-              <a:t>11</a:t>
+              <a:t>14</a:t>
             </a:fld>
             <a:endParaRPr lang="en-US" dirty="0"/>
+          </a:p>
+        </p:txBody>
+      </p:sp>
+      <p:sp>
+        <p:nvSpPr>
+          <p:cNvPr id="8" name="TextBox 7">
+            <a:extLst>
+              <a:ext uri="{FF2B5EF4-FFF2-40B4-BE49-F238E27FC236}">
+                <a16:creationId xmlns:a16="http://schemas.microsoft.com/office/drawing/2014/main" id="{96ADD6F5-62AC-4956-85B3-94A57534BB6D}"/>
+              </a:ext>
+            </a:extLst>
+          </p:cNvPr>
+          <p:cNvSpPr txBox="1"/>
+          <p:nvPr/>
+        </p:nvSpPr>
+        <p:spPr>
+          <a:xfrm>
+            <a:off x="1104741" y="4127213"/>
+            <a:ext cx="8969553" cy="369332"/>
+          </a:xfrm>
+          <a:prstGeom prst="rect">
+            <a:avLst/>
+          </a:prstGeom>
+          <a:noFill/>
+        </p:spPr>
+        <p:txBody>
+          <a:bodyPr wrap="square">
+            <a:spAutoFit/>
+          </a:bodyPr>
+          <a:lstStyle/>
+          <a:p>
+            <a:pPr marL="0" indent="0">
+              <a:buNone/>
+            </a:pPr>
+            <a:r>
+              <a:rPr lang="en-US" dirty="0">
+                <a:latin typeface="arial" panose="020B0604020202020204" pitchFamily="34" charset="0"/>
+              </a:rPr>
+              <a:t>Get this project Here : </a:t>
+            </a:r>
+            <a:r>
+              <a:rPr lang="en-US" dirty="0">
+                <a:latin typeface="arial" panose="020B0604020202020204" pitchFamily="34" charset="0"/>
+                <a:hlinkClick r:id="rId2"/>
+              </a:rPr>
+              <a:t>https://github.com/shankarkarande/Bus-Administration-System</a:t>
+            </a:r>
+            <a:endParaRPr lang="en-IN" dirty="0"/>
           </a:p>
         </p:txBody>
       </p:sp>
@@ -9754,7 +10867,7 @@
 </p:sld>
 </file>
 
-<file path=ppt/slides/slide12.xml><?xml version="1.0" encoding="utf-8"?>
+<file path=ppt/slides/slide15.xml><?xml version="1.0" encoding="utf-8"?>
 <p:sld xmlns:a="http://schemas.openxmlformats.org/drawingml/2006/main" xmlns:r="http://schemas.openxmlformats.org/officeDocument/2006/relationships" xmlns:p="http://schemas.openxmlformats.org/presentationml/2006/main">
   <p:cSld>
     <p:spTree>
@@ -9782,6 +10895,10 @@
           </p:nvPr>
         </p:nvSpPr>
         <p:spPr>
+          <a:xfrm>
+            <a:off x="702838" y="398385"/>
+            <a:ext cx="8466456" cy="1493899"/>
+          </a:xfrm>
           <a:prstGeom prst="rect">
             <a:avLst/>
           </a:prstGeom>
@@ -10074,7 +11191,7 @@
             </a:pPr>
             <a:fld id="{00000000-1234-1234-1234-123412341234}" type="slidenum">
               <a:rPr lang="en-US" smtClean="0"/>
-              <a:t>12</a:t>
+              <a:t>15</a:t>
             </a:fld>
             <a:endParaRPr lang="en-US"/>
           </a:p>
@@ -11214,7 +12331,7 @@
               <a:buNone/>
             </a:pPr>
             <a:r>
-              <a:rPr lang="en-US" sz="2200" dirty="0">
+              <a:rPr lang="en-US" sz="2000" dirty="0">
                 <a:latin typeface="Verdana" panose="020B0604030504040204" pitchFamily="34" charset="0"/>
                 <a:ea typeface="Verdana" panose="020B0604030504040204" pitchFamily="34" charset="0"/>
               </a:rPr>
@@ -11235,7 +12352,7 @@
               <a:buSzPts val="3200"/>
               <a:buNone/>
             </a:pPr>
-            <a:endParaRPr lang="en-US" sz="2200" dirty="0">
+            <a:endParaRPr lang="en-US" sz="2000" dirty="0">
               <a:latin typeface="Verdana" panose="020B0604030504040204" pitchFamily="34" charset="0"/>
               <a:ea typeface="Verdana" panose="020B0604030504040204" pitchFamily="34" charset="0"/>
             </a:endParaRPr>
@@ -11255,7 +12372,7 @@
               <a:buNone/>
             </a:pPr>
             <a:r>
-              <a:rPr lang="en-US" sz="2200" dirty="0">
+              <a:rPr lang="en-US" sz="2000" dirty="0">
                 <a:latin typeface="Verdana" panose="020B0604030504040204" pitchFamily="34" charset="0"/>
                 <a:ea typeface="Verdana" panose="020B0604030504040204" pitchFamily="34" charset="0"/>
               </a:rPr>
@@ -11407,8 +12524,8 @@
         </p:nvSpPr>
         <p:spPr>
           <a:xfrm>
-            <a:off x="132203" y="2066205"/>
-            <a:ext cx="4869455" cy="5007802"/>
+            <a:off x="683046" y="2066205"/>
+            <a:ext cx="8551840" cy="4037140"/>
           </a:xfrm>
           <a:prstGeom prst="rect">
             <a:avLst/>
@@ -11436,7 +12553,7 @@
               <a:buChar char="•"/>
             </a:pPr>
             <a:r>
-              <a:rPr lang="en-US" sz="1800" b="0" i="0" dirty="0">
+              <a:rPr lang="en-US" sz="2000" b="0" i="0" dirty="0">
                 <a:effectLst/>
                 <a:latin typeface="Verdana" panose="020B0604030504040204" pitchFamily="34" charset="0"/>
                 <a:ea typeface="Verdana" panose="020B0604030504040204" pitchFamily="34" charset="0"/>
@@ -11444,7 +12561,7 @@
               <a:t>The main objective of the Railway Reservation System is </a:t>
             </a:r>
             <a:r>
-              <a:rPr lang="en-US" sz="1800" b="1" i="0" dirty="0">
+              <a:rPr lang="en-US" sz="2000" b="1" i="0" dirty="0">
                 <a:effectLst/>
                 <a:latin typeface="Verdana" panose="020B0604030504040204" pitchFamily="34" charset="0"/>
                 <a:ea typeface="Verdana" panose="020B0604030504040204" pitchFamily="34" charset="0"/>
@@ -11452,13 +12569,30 @@
               <a:t>to manage the details of Bus, Booking, Installation, Seat, Ticket</a:t>
             </a:r>
             <a:r>
-              <a:rPr lang="en-US" sz="1800" b="0" i="0" dirty="0">
+              <a:rPr lang="en-US" sz="2000" b="0" i="0" dirty="0">
                 <a:effectLst/>
                 <a:latin typeface="Verdana" panose="020B0604030504040204" pitchFamily="34" charset="0"/>
                 <a:ea typeface="Verdana" panose="020B0604030504040204" pitchFamily="34" charset="0"/>
               </a:rPr>
               <a:t>. It manages all the information about Bus, Customer, Ticket, Train.</a:t>
             </a:r>
+          </a:p>
+          <a:p>
+            <a:pPr marL="203201" indent="0" algn="just">
+              <a:spcBef>
+                <a:spcPts val="640"/>
+              </a:spcBef>
+              <a:buClr>
+                <a:schemeClr val="dk1"/>
+              </a:buClr>
+              <a:buSzPts val="3200"/>
+              <a:buNone/>
+            </a:pPr>
+            <a:endParaRPr lang="en-US" sz="2000" b="0" i="0" dirty="0">
+              <a:effectLst/>
+              <a:latin typeface="Verdana" panose="020B0604030504040204" pitchFamily="34" charset="0"/>
+              <a:ea typeface="Verdana" panose="020B0604030504040204" pitchFamily="34" charset="0"/>
+            </a:endParaRPr>
           </a:p>
           <a:p>
             <a:pPr marL="488951" indent="-285750" algn="just">
@@ -11473,13 +12607,30 @@
               <a:buChar char="•"/>
             </a:pPr>
             <a:r>
-              <a:rPr lang="en-US" sz="1800" b="0" i="0" dirty="0">
+              <a:rPr lang="en-US" sz="2000" b="0" i="0" dirty="0">
                 <a:effectLst/>
                 <a:latin typeface="Verdana" panose="020B0604030504040204" pitchFamily="34" charset="0"/>
                 <a:ea typeface="Verdana" panose="020B0604030504040204" pitchFamily="34" charset="0"/>
               </a:rPr>
               <a:t>This system project is made as user friendly as possible so that any one can use it with little knowledge of system computers.</a:t>
             </a:r>
+          </a:p>
+          <a:p>
+            <a:pPr marL="203201" indent="0" algn="just">
+              <a:spcBef>
+                <a:spcPts val="640"/>
+              </a:spcBef>
+              <a:buClr>
+                <a:schemeClr val="dk1"/>
+              </a:buClr>
+              <a:buSzPts val="3200"/>
+              <a:buNone/>
+            </a:pPr>
+            <a:endParaRPr lang="en-US" sz="2000" b="0" i="0" dirty="0">
+              <a:effectLst/>
+              <a:latin typeface="Verdana" panose="020B0604030504040204" pitchFamily="34" charset="0"/>
+              <a:ea typeface="Verdana" panose="020B0604030504040204" pitchFamily="34" charset="0"/>
+            </a:endParaRPr>
           </a:p>
           <a:p>
             <a:pPr marL="488951" indent="-285750" algn="just">
@@ -11494,7 +12645,7 @@
               <a:buChar char="•"/>
             </a:pPr>
             <a:r>
-              <a:rPr lang="en-US" sz="1800" b="0" i="0" dirty="0">
+              <a:rPr lang="en-US" sz="2000" b="0" i="0" dirty="0">
                 <a:effectLst/>
                 <a:latin typeface="Verdana" panose="020B0604030504040204" pitchFamily="34" charset="0"/>
                 <a:ea typeface="Verdana" panose="020B0604030504040204" pitchFamily="34" charset="0"/>
@@ -11514,7 +12665,7 @@
               <a:buFont typeface="Arial" panose="020B0604020202020204" pitchFamily="34" charset="0"/>
               <a:buChar char="•"/>
             </a:pPr>
-            <a:endParaRPr lang="en-US" sz="1800" b="0" i="0" dirty="0">
+            <a:endParaRPr lang="en-US" sz="2000" b="0" i="0" dirty="0">
               <a:effectLst/>
               <a:latin typeface="Verdana" panose="020B0604030504040204" pitchFamily="34" charset="0"/>
               <a:ea typeface="Verdana" panose="020B0604030504040204" pitchFamily="34" charset="0"/>
@@ -11531,7 +12682,7 @@
               <a:buSzPts val="3200"/>
               <a:buNone/>
             </a:pPr>
-            <a:endParaRPr lang="en-US" sz="1800" b="0" i="0" dirty="0">
+            <a:endParaRPr lang="en-US" sz="2000" b="0" i="0" dirty="0">
               <a:effectLst/>
               <a:latin typeface="Verdana" panose="020B0604030504040204" pitchFamily="34" charset="0"/>
               <a:ea typeface="Verdana" panose="020B0604030504040204" pitchFamily="34" charset="0"/>
@@ -11552,14 +12703,14 @@
               <a:buNone/>
             </a:pPr>
             <a:r>
-              <a:rPr lang="en-US" sz="1800" b="0" i="0" dirty="0">
+              <a:rPr lang="en-US" sz="2000" b="0" i="0" dirty="0">
                 <a:effectLst/>
                 <a:latin typeface="Verdana" panose="020B0604030504040204" pitchFamily="34" charset="0"/>
                 <a:ea typeface="Verdana" panose="020B0604030504040204" pitchFamily="34" charset="0"/>
               </a:rPr>
               <a:t>	</a:t>
             </a:r>
-            <a:endParaRPr sz="1800" dirty="0">
+            <a:endParaRPr sz="2000" dirty="0">
               <a:latin typeface="Verdana" panose="020B0604030504040204" pitchFamily="34" charset="0"/>
               <a:ea typeface="Verdana" panose="020B0604030504040204" pitchFamily="34" charset="0"/>
             </a:endParaRPr>
@@ -11598,31 +12749,131 @@
           </a:p>
         </p:txBody>
       </p:sp>
-      <p:sp>
-        <p:nvSpPr>
-          <p:cNvPr id="6" name="TextBox 5">
-            <a:extLst>
-              <a:ext uri="{FF2B5EF4-FFF2-40B4-BE49-F238E27FC236}">
-                <a16:creationId xmlns:a16="http://schemas.microsoft.com/office/drawing/2014/main" id="{FB88B7A9-8298-4CAD-A4AC-919CB8EBDD67}"/>
-              </a:ext>
-            </a:extLst>
-          </p:cNvPr>
-          <p:cNvSpPr txBox="1"/>
-          <p:nvPr/>
+    </p:spTree>
+  </p:cSld>
+  <p:clrMapOvr>
+    <a:masterClrMapping/>
+  </p:clrMapOvr>
+</p:sld>
+</file>
+
+<file path=ppt/slides/slide7.xml><?xml version="1.0" encoding="utf-8"?>
+<p:sld xmlns:a="http://schemas.openxmlformats.org/drawingml/2006/main" xmlns:r="http://schemas.openxmlformats.org/officeDocument/2006/relationships" xmlns:p="http://schemas.openxmlformats.org/presentationml/2006/main">
+  <p:cSld>
+    <p:spTree>
+      <p:nvGrpSpPr>
+        <p:cNvPr id="1" name="Shape 130"/>
+        <p:cNvGrpSpPr/>
+        <p:nvPr/>
+      </p:nvGrpSpPr>
+      <p:grpSpPr>
+        <a:xfrm>
+          <a:off x="0" y="0"/>
+          <a:ext cx="0" cy="0"/>
+          <a:chOff x="0" y="0"/>
+          <a:chExt cx="0" cy="0"/>
+        </a:xfrm>
+      </p:grpSpPr>
+      <p:sp>
+        <p:nvSpPr>
+          <p:cNvPr id="131" name="Google Shape;131;p6"/>
+          <p:cNvSpPr txBox="1">
+            <a:spLocks noGrp="1"/>
+          </p:cNvSpPr>
+          <p:nvPr>
+            <p:ph type="title"/>
+          </p:nvPr>
         </p:nvSpPr>
         <p:spPr>
           <a:xfrm>
-            <a:off x="5001658" y="2118036"/>
-            <a:ext cx="5378984" cy="5139869"/>
+            <a:off x="768430" y="387368"/>
+            <a:ext cx="8466456" cy="1493899"/>
+          </a:xfrm>
+          <a:prstGeom prst="rect">
+            <a:avLst/>
+          </a:prstGeom>
+          <a:solidFill>
+            <a:schemeClr val="accent1"/>
+          </a:solidFill>
+          <a:ln w="38100" cap="flat" cmpd="sng">
+            <a:solidFill>
+              <a:schemeClr val="lt1"/>
+            </a:solidFill>
+            <a:prstDash val="solid"/>
+            <a:round/>
+            <a:headEnd type="none" w="sm" len="sm"/>
+            <a:tailEnd type="none" w="sm" len="sm"/>
+          </a:ln>
+          <a:effectLst>
+            <a:outerShdw blurRad="40000" dist="20000" dir="5400000" rotWithShape="0">
+              <a:srgbClr val="000000">
+                <a:alpha val="37647"/>
+              </a:srgbClr>
+            </a:outerShdw>
+          </a:effectLst>
+        </p:spPr>
+        <p:txBody>
+          <a:bodyPr spcFirstLastPara="1" wrap="square" lIns="104475" tIns="52225" rIns="104475" bIns="52225" anchor="ctr" anchorCtr="0">
+            <a:normAutofit/>
+          </a:bodyPr>
+          <a:lstStyle/>
+          <a:p>
+            <a:pPr marL="0" lvl="0" indent="0" algn="ctr" rtl="0">
+              <a:spcBef>
+                <a:spcPts val="0"/>
+              </a:spcBef>
+              <a:spcAft>
+                <a:spcPts val="0"/>
+              </a:spcAft>
+              <a:buClr>
+                <a:schemeClr val="lt1"/>
+              </a:buClr>
+              <a:buSzPts val="5000"/>
+              <a:buFont typeface="Calibri"/>
+              <a:buNone/>
+            </a:pPr>
+            <a:r>
+              <a:rPr lang="en-US" dirty="0">
+                <a:solidFill>
+                  <a:schemeClr val="lt1"/>
+                </a:solidFill>
+                <a:latin typeface="Calibri"/>
+                <a:ea typeface="Calibri"/>
+                <a:cs typeface="Calibri"/>
+                <a:sym typeface="Calibri"/>
+              </a:rPr>
+              <a:t>Aim and Objectives of the Project</a:t>
+            </a:r>
+            <a:endParaRPr dirty="0"/>
+          </a:p>
+        </p:txBody>
+      </p:sp>
+      <p:sp>
+        <p:nvSpPr>
+          <p:cNvPr id="132" name="Google Shape;132;p6"/>
+          <p:cNvSpPr txBox="1">
+            <a:spLocks noGrp="1"/>
+          </p:cNvSpPr>
+          <p:nvPr>
+            <p:ph idx="1"/>
+          </p:nvPr>
+        </p:nvSpPr>
+        <p:spPr>
+          <a:xfrm>
+            <a:off x="683046" y="2066205"/>
+            <a:ext cx="8551840" cy="4378662"/>
           </a:xfrm>
           <a:prstGeom prst="rect">
             <a:avLst/>
           </a:prstGeom>
           <a:noFill/>
+          <a:ln>
+            <a:noFill/>
+          </a:ln>
         </p:spPr>
         <p:txBody>
-          <a:bodyPr wrap="square">
-            <a:spAutoFit/>
+          <a:bodyPr spcFirstLastPara="1" wrap="square" lIns="104475" tIns="52225" rIns="104475" bIns="52225" anchor="t" anchorCtr="0">
+            <a:noAutofit/>
           </a:bodyPr>
           <a:lstStyle/>
           <a:p>
@@ -11638,7 +12889,7 @@
               <a:buChar char="•"/>
             </a:pPr>
             <a:r>
-              <a:rPr lang="en-US" sz="1800" b="0" i="0" dirty="0">
+              <a:rPr lang="en-US" sz="2000" b="0" i="0" dirty="0">
                 <a:effectLst/>
                 <a:latin typeface="Verdana" panose="020B0604030504040204" pitchFamily="34" charset="0"/>
                 <a:ea typeface="Verdana" panose="020B0604030504040204" pitchFamily="34" charset="0"/>
@@ -11656,7 +12907,7 @@
               </a:buClr>
               <a:buSzPts val="3200"/>
             </a:pPr>
-            <a:endParaRPr lang="en-US" sz="1800" b="0" i="0" dirty="0">
+            <a:endParaRPr lang="en-US" sz="2000" b="0" i="0" dirty="0">
               <a:effectLst/>
               <a:latin typeface="Verdana" panose="020B0604030504040204" pitchFamily="34" charset="0"/>
               <a:ea typeface="Verdana" panose="020B0604030504040204" pitchFamily="34" charset="0"/>
@@ -11675,7 +12926,7 @@
               <a:buChar char="•"/>
             </a:pPr>
             <a:r>
-              <a:rPr lang="en-IN" b="0" i="0" dirty="0">
+              <a:rPr lang="en-IN" sz="2000" b="0" i="0" dirty="0">
                 <a:effectLst/>
                 <a:latin typeface="Verdana" panose="020B0604030504040204" pitchFamily="34" charset="0"/>
                 <a:ea typeface="Verdana" panose="020B0604030504040204" pitchFamily="34" charset="0"/>
@@ -11696,7 +12947,7 @@
               <a:buChar char="•"/>
             </a:pPr>
             <a:r>
-              <a:rPr lang="en-US" b="0" i="0" dirty="0">
+              <a:rPr lang="en-US" sz="2000" b="0" i="0" dirty="0">
                 <a:effectLst/>
                 <a:latin typeface="Verdana" panose="020B0604030504040204" pitchFamily="34" charset="0"/>
                 <a:ea typeface="Verdana" panose="020B0604030504040204" pitchFamily="34" charset="0"/>
@@ -11704,7 +12955,7 @@
               <a:t>Assign a bus Tickets according to customer’s </a:t>
             </a:r>
             <a:r>
-              <a:rPr lang="en-US" b="1" i="0" dirty="0">
+              <a:rPr lang="en-US" sz="2000" b="1" i="0" dirty="0">
                 <a:effectLst/>
                 <a:latin typeface="Verdana" panose="020B0604030504040204" pitchFamily="34" charset="0"/>
                 <a:ea typeface="Verdana" panose="020B0604030504040204" pitchFamily="34" charset="0"/>
@@ -11725,7 +12976,7 @@
               <a:buChar char="•"/>
             </a:pPr>
             <a:r>
-              <a:rPr lang="en-US" sz="1800" b="0" i="0" dirty="0">
+              <a:rPr lang="en-US" sz="2000" b="0" i="0" dirty="0">
                 <a:effectLst/>
                 <a:latin typeface="Verdana" panose="020B0604030504040204" pitchFamily="34" charset="0"/>
                 <a:ea typeface="Verdana" panose="020B0604030504040204" pitchFamily="34" charset="0"/>
@@ -11746,7 +12997,7 @@
               <a:buChar char="•"/>
             </a:pPr>
             <a:r>
-              <a:rPr lang="en-US" dirty="0">
+              <a:rPr lang="en-US" sz="2000" dirty="0">
                 <a:latin typeface="Verdana" panose="020B0604030504040204" pitchFamily="34" charset="0"/>
                 <a:ea typeface="Verdana" panose="020B0604030504040204" pitchFamily="34" charset="0"/>
               </a:rPr>
@@ -11766,7 +13017,7 @@
               <a:buChar char="•"/>
             </a:pPr>
             <a:r>
-              <a:rPr lang="en-US" dirty="0">
+              <a:rPr lang="en-US" sz="2000" dirty="0">
                 <a:latin typeface="Verdana" panose="020B0604030504040204" pitchFamily="34" charset="0"/>
                 <a:ea typeface="Verdana" panose="020B0604030504040204" pitchFamily="34" charset="0"/>
               </a:rPr>
@@ -11786,32 +13037,53 @@
               <a:buChar char="•"/>
             </a:pPr>
             <a:r>
-              <a:rPr lang="en-US" dirty="0">
+              <a:rPr lang="en-US" sz="2000" dirty="0">
                 <a:latin typeface="Verdana" panose="020B0604030504040204" pitchFamily="34" charset="0"/>
                 <a:ea typeface="Verdana" panose="020B0604030504040204" pitchFamily="34" charset="0"/>
               </a:rPr>
               <a:t>Exit.</a:t>
             </a:r>
           </a:p>
-          <a:p>
-            <a:pPr marL="203201" algn="just">
+        </p:txBody>
+      </p:sp>
+      <p:sp>
+        <p:nvSpPr>
+          <p:cNvPr id="3" name="Slide Number Placeholder 2"/>
+          <p:cNvSpPr>
+            <a:spLocks noGrp="1"/>
+          </p:cNvSpPr>
+          <p:nvPr>
+            <p:ph type="sldNum" sz="quarter" idx="12"/>
+          </p:nvPr>
+        </p:nvSpPr>
+        <p:spPr/>
+        <p:txBody>
+          <a:bodyPr/>
+          <a:lstStyle/>
+          <a:p>
+            <a:pPr marL="0" lvl="0" indent="0" algn="r" rtl="0">
               <a:spcBef>
-                <a:spcPts val="640"/>
+                <a:spcPts val="0"/>
               </a:spcBef>
-              <a:buClr>
-                <a:schemeClr val="dk1"/>
-              </a:buClr>
-              <a:buSzPts val="3200"/>
+              <a:spcAft>
+                <a:spcPts val="0"/>
+              </a:spcAft>
+              <a:buNone/>
             </a:pPr>
-            <a:endParaRPr lang="en-US" sz="1800" b="0" i="0" dirty="0">
-              <a:effectLst/>
-              <a:latin typeface="Verdana" panose="020B0604030504040204" pitchFamily="34" charset="0"/>
-              <a:ea typeface="Verdana" panose="020B0604030504040204" pitchFamily="34" charset="0"/>
-            </a:endParaRPr>
+            <a:fld id="{00000000-1234-1234-1234-123412341234}" type="slidenum">
+              <a:rPr lang="en-US" smtClean="0"/>
+              <a:t>7</a:t>
+            </a:fld>
+            <a:endParaRPr lang="en-US"/>
           </a:p>
         </p:txBody>
       </p:sp>
     </p:spTree>
+    <p:extLst>
+      <p:ext uri="{BB962C8B-B14F-4D97-AF65-F5344CB8AC3E}">
+        <p14:creationId xmlns:p14="http://schemas.microsoft.com/office/powerpoint/2010/main" val="2902601651"/>
+      </p:ext>
+    </p:extLst>
   </p:cSld>
   <p:clrMapOvr>
     <a:masterClrMapping/>
@@ -11819,7 +13091,7 @@
 </p:sld>
 </file>
 
-<file path=ppt/slides/slide7.xml><?xml version="1.0" encoding="utf-8"?>
+<file path=ppt/slides/slide8.xml><?xml version="1.0" encoding="utf-8"?>
 <p:sld xmlns:a="http://schemas.openxmlformats.org/drawingml/2006/main" xmlns:r="http://schemas.openxmlformats.org/officeDocument/2006/relationships" xmlns:p="http://schemas.openxmlformats.org/presentationml/2006/main">
   <p:cSld>
     <p:spTree>
@@ -11947,7 +13219,7 @@
               <a:buNone/>
             </a:pPr>
             <a:r>
-              <a:rPr lang="en-US" sz="2200" dirty="0">
+              <a:rPr lang="en-US" sz="2000" dirty="0">
                 <a:effectLst/>
                 <a:latin typeface="Verdana" panose="020B0604030504040204" pitchFamily="34" charset="0"/>
                 <a:ea typeface="Verdana" panose="020B0604030504040204" pitchFamily="34" charset="0"/>
@@ -11955,14 +13227,14 @@
               <a:t>Discussing the highlights of this Simple framework of Bus Reservation System, the client can view the list, book tickets, </a:t>
             </a:r>
             <a:r>
-              <a:rPr lang="en-US" sz="2200" b="0" i="0" dirty="0">
+              <a:rPr lang="en-US" sz="2000" b="0" i="0" dirty="0">
                 <a:effectLst/>
                 <a:latin typeface="Verdana" panose="020B0604030504040204" pitchFamily="34" charset="0"/>
               </a:rPr>
               <a:t>bus information, reserve bus seat, show reservation information and show information regarding the buses available. </a:t>
             </a:r>
             <a:r>
-              <a:rPr lang="en-US" sz="2200" dirty="0">
+              <a:rPr lang="en-US" sz="2000" dirty="0">
                 <a:effectLst/>
                 <a:latin typeface="Verdana" panose="020B0604030504040204" pitchFamily="34" charset="0"/>
                 <a:ea typeface="Verdana" panose="020B0604030504040204" pitchFamily="34" charset="0"/>
@@ -11970,7 +13242,7 @@
               <a:t>While booking tickets. This mini project gives us actual ideas about how to clients book tickets via online application and website and how this system work on background. This system are also easy to use and user-friendly for clients and users.   </a:t>
             </a:r>
             <a:br>
-              <a:rPr lang="en-US" sz="2200" b="0" i="0" dirty="0">
+              <a:rPr lang="en-US" sz="2000" b="0" i="0" dirty="0">
                 <a:solidFill>
                   <a:srgbClr val="222222"/>
                 </a:solidFill>
@@ -11978,7 +13250,7 @@
                 <a:latin typeface="-apple-system"/>
               </a:rPr>
             </a:br>
-            <a:endParaRPr sz="2200" dirty="0">
+            <a:endParaRPr sz="2000" dirty="0">
               <a:solidFill>
                 <a:srgbClr val="FF0000"/>
               </a:solidFill>
@@ -12012,7 +13284,7 @@
             </a:pPr>
             <a:fld id="{00000000-1234-1234-1234-123412341234}" type="slidenum">
               <a:rPr lang="en-US" smtClean="0"/>
-              <a:t>7</a:t>
+              <a:t>8</a:t>
             </a:fld>
             <a:endParaRPr lang="en-US"/>
           </a:p>
@@ -12026,7 +13298,7 @@
 </p:sld>
 </file>
 
-<file path=ppt/slides/slide8.xml><?xml version="1.0" encoding="utf-8"?>
+<file path=ppt/slides/slide9.xml><?xml version="1.0" encoding="utf-8"?>
 <p:sld xmlns:a="http://schemas.openxmlformats.org/drawingml/2006/main" xmlns:r="http://schemas.openxmlformats.org/officeDocument/2006/relationships" xmlns:p="http://schemas.openxmlformats.org/presentationml/2006/main">
   <p:cSld>
     <p:spTree>
@@ -12055,7 +13327,7 @@
         </p:nvSpPr>
         <p:spPr>
           <a:xfrm>
-            <a:off x="853262" y="54485"/>
+            <a:off x="721611" y="433285"/>
             <a:ext cx="8466456" cy="1402065"/>
           </a:xfrm>
           <a:prstGeom prst="rect">
@@ -12130,7 +13402,7 @@
         <p:spPr>
           <a:xfrm>
             <a:off x="550843" y="2084502"/>
-            <a:ext cx="4935557" cy="4475180"/>
+            <a:ext cx="8637224" cy="4475180"/>
           </a:xfrm>
           <a:prstGeom prst="rect">
             <a:avLst/>
@@ -12330,441 +13602,6 @@
             </a:pPr>
             <a:fld id="{00000000-1234-1234-1234-123412341234}" type="slidenum">
               <a:rPr lang="en-US" smtClean="0"/>
-              <a:t>8</a:t>
-            </a:fld>
-            <a:endParaRPr lang="en-US"/>
-          </a:p>
-        </p:txBody>
-      </p:sp>
-      <p:sp>
-        <p:nvSpPr>
-          <p:cNvPr id="6" name="TextBox 5">
-            <a:extLst>
-              <a:ext uri="{FF2B5EF4-FFF2-40B4-BE49-F238E27FC236}">
-                <a16:creationId xmlns:a16="http://schemas.microsoft.com/office/drawing/2014/main" id="{9491AAE4-411B-4AAB-B417-C3BAEAC928A6}"/>
-              </a:ext>
-            </a:extLst>
-          </p:cNvPr>
-          <p:cNvSpPr txBox="1"/>
-          <p:nvPr/>
-        </p:nvSpPr>
-        <p:spPr>
-          <a:xfrm>
-            <a:off x="5673687" y="1644436"/>
-            <a:ext cx="3646031" cy="5355312"/>
-          </a:xfrm>
-          <a:prstGeom prst="rect">
-            <a:avLst/>
-          </a:prstGeom>
-          <a:noFill/>
-        </p:spPr>
-        <p:txBody>
-          <a:bodyPr wrap="square">
-            <a:spAutoFit/>
-          </a:bodyPr>
-          <a:lstStyle/>
-          <a:p>
-            <a:pPr lvl="1"/>
-            <a:r>
-              <a:rPr lang="en-US" b="0" i="0" dirty="0">
-                <a:effectLst/>
-                <a:latin typeface="Verdana" panose="020B0604030504040204" pitchFamily="34" charset="0"/>
-                <a:ea typeface="Verdana" panose="020B0604030504040204" pitchFamily="34" charset="0"/>
-              </a:rPr>
-              <a:t>	</a:t>
-            </a:r>
-            <a:r>
-              <a:rPr lang="en-US" b="1" i="0" dirty="0">
-                <a:effectLst/>
-                <a:latin typeface="Verdana" panose="020B0604030504040204" pitchFamily="34" charset="0"/>
-                <a:ea typeface="Verdana" panose="020B0604030504040204" pitchFamily="34" charset="0"/>
-              </a:rPr>
-              <a:t>Advantages</a:t>
-            </a:r>
-          </a:p>
-          <a:p>
-            <a:pPr marL="285750" indent="-285750" algn="just">
-              <a:buFont typeface="Arial" panose="020B0604020202020204" pitchFamily="34" charset="0"/>
-              <a:buChar char="•"/>
-            </a:pPr>
-            <a:endParaRPr lang="en-US" dirty="0">
-              <a:latin typeface="Verdana" panose="020B0604030504040204" pitchFamily="34" charset="0"/>
-              <a:ea typeface="Verdana" panose="020B0604030504040204" pitchFamily="34" charset="0"/>
-            </a:endParaRPr>
-          </a:p>
-          <a:p>
-            <a:pPr marL="285750" indent="-285750" algn="just">
-              <a:buFont typeface="Arial" panose="020B0604020202020204" pitchFamily="34" charset="0"/>
-              <a:buChar char="•"/>
-            </a:pPr>
-            <a:r>
-              <a:rPr lang="en-US" b="0" i="0" dirty="0">
-                <a:effectLst/>
-                <a:latin typeface="Verdana" panose="020B0604030504040204" pitchFamily="34" charset="0"/>
-                <a:ea typeface="Verdana" panose="020B0604030504040204" pitchFamily="34" charset="0"/>
-              </a:rPr>
-              <a:t>Online booking systems save your staff time.</a:t>
-            </a:r>
-          </a:p>
-          <a:p>
-            <a:pPr marL="285750" indent="-285750" algn="just">
-              <a:buFont typeface="Arial" panose="020B0604020202020204" pitchFamily="34" charset="0"/>
-              <a:buChar char="•"/>
-            </a:pPr>
-            <a:r>
-              <a:rPr lang="en-US" b="0" i="0" dirty="0">
-                <a:effectLst/>
-                <a:latin typeface="arial" panose="020B0604020202020204" pitchFamily="34" charset="0"/>
-              </a:rPr>
-              <a:t>Online booking systems save your staff time.</a:t>
-            </a:r>
-          </a:p>
-          <a:p>
-            <a:pPr marL="285750" indent="-285750" algn="just">
-              <a:buFont typeface="Arial" panose="020B0604020202020204" pitchFamily="34" charset="0"/>
-              <a:buChar char="•"/>
-            </a:pPr>
-            <a:r>
-              <a:rPr lang="en-US" b="0" i="0" dirty="0">
-                <a:effectLst/>
-                <a:latin typeface="arial" panose="020B0604020202020204" pitchFamily="34" charset="0"/>
-              </a:rPr>
-              <a:t>Online booking systems save your staff time.</a:t>
-            </a:r>
-          </a:p>
-          <a:p>
-            <a:pPr marL="285750" indent="-285750" algn="just">
-              <a:buFont typeface="Arial" panose="020B0604020202020204" pitchFamily="34" charset="0"/>
-              <a:buChar char="•"/>
-            </a:pPr>
-            <a:r>
-              <a:rPr lang="en-US" b="0" i="0" dirty="0">
-                <a:effectLst/>
-                <a:latin typeface="arial" panose="020B0604020202020204" pitchFamily="34" charset="0"/>
-              </a:rPr>
-              <a:t>Greater sales and marketing synergy.</a:t>
-            </a:r>
-          </a:p>
-          <a:p>
-            <a:pPr algn="just"/>
-            <a:endParaRPr lang="en-US" b="0" i="0" dirty="0">
-              <a:effectLst/>
-              <a:latin typeface="arial" panose="020B0604020202020204" pitchFamily="34" charset="0"/>
-            </a:endParaRPr>
-          </a:p>
-          <a:p>
-            <a:pPr algn="ctr"/>
-            <a:r>
-              <a:rPr lang="en-US" b="1" dirty="0">
-                <a:latin typeface="arial" panose="020B0604020202020204" pitchFamily="34" charset="0"/>
-                <a:ea typeface="Verdana" panose="020B0604030504040204" pitchFamily="34" charset="0"/>
-              </a:rPr>
-              <a:t>Disadvantages</a:t>
-            </a:r>
-          </a:p>
-          <a:p>
-            <a:pPr algn="ctr"/>
-            <a:endParaRPr lang="en-US" b="1" dirty="0">
-              <a:latin typeface="arial" panose="020B0604020202020204" pitchFamily="34" charset="0"/>
-              <a:ea typeface="Verdana" panose="020B0604030504040204" pitchFamily="34" charset="0"/>
-            </a:endParaRPr>
-          </a:p>
-          <a:p>
-            <a:pPr marL="285750" indent="-285750" algn="just">
-              <a:buFont typeface="Arial" panose="020B0604020202020204" pitchFamily="34" charset="0"/>
-              <a:buChar char="•"/>
-            </a:pPr>
-            <a:r>
-              <a:rPr lang="en-US" b="0" i="0" dirty="0">
-                <a:effectLst/>
-                <a:latin typeface="Verdana" panose="020B0604030504040204" pitchFamily="34" charset="0"/>
-                <a:ea typeface="Verdana" panose="020B0604030504040204" pitchFamily="34" charset="0"/>
-              </a:rPr>
-              <a:t>You need internet access. Reliable internet access is required to check reservations and add bookings that are made over the phone.</a:t>
-            </a:r>
-            <a:endParaRPr lang="en-IN" b="1" dirty="0">
-              <a:latin typeface="Verdana" panose="020B0604030504040204" pitchFamily="34" charset="0"/>
-              <a:ea typeface="Verdana" panose="020B0604030504040204" pitchFamily="34" charset="0"/>
-            </a:endParaRPr>
-          </a:p>
-        </p:txBody>
-      </p:sp>
-    </p:spTree>
-  </p:cSld>
-  <p:clrMapOvr>
-    <a:masterClrMapping/>
-  </p:clrMapOvr>
-</p:sld>
-</file>
-
-<file path=ppt/slides/slide9.xml><?xml version="1.0" encoding="utf-8"?>
-<p:sld xmlns:a="http://schemas.openxmlformats.org/drawingml/2006/main" xmlns:r="http://schemas.openxmlformats.org/officeDocument/2006/relationships" xmlns:p="http://schemas.openxmlformats.org/presentationml/2006/main">
-  <p:cSld>
-    <p:spTree>
-      <p:nvGrpSpPr>
-        <p:cNvPr id="1" name="Shape 175"/>
-        <p:cNvGrpSpPr/>
-        <p:nvPr/>
-      </p:nvGrpSpPr>
-      <p:grpSpPr>
-        <a:xfrm>
-          <a:off x="0" y="0"/>
-          <a:ext cx="0" cy="0"/>
-          <a:chOff x="0" y="0"/>
-          <a:chExt cx="0" cy="0"/>
-        </a:xfrm>
-      </p:grpSpPr>
-      <p:sp>
-        <p:nvSpPr>
-          <p:cNvPr id="176" name="Google Shape;176;p11"/>
-          <p:cNvSpPr txBox="1">
-            <a:spLocks noGrp="1"/>
-          </p:cNvSpPr>
-          <p:nvPr>
-            <p:ph type="title"/>
-          </p:nvPr>
-        </p:nvSpPr>
-        <p:spPr>
-          <a:xfrm>
-            <a:off x="0" y="0"/>
-            <a:ext cx="10972800" cy="1219200"/>
-          </a:xfrm>
-          <a:prstGeom prst="rect">
-            <a:avLst/>
-          </a:prstGeom>
-          <a:solidFill>
-            <a:schemeClr val="accent1"/>
-          </a:solidFill>
-          <a:ln w="38100" cap="flat" cmpd="sng">
-            <a:solidFill>
-              <a:schemeClr val="lt1"/>
-            </a:solidFill>
-            <a:prstDash val="solid"/>
-            <a:round/>
-            <a:headEnd type="none" w="sm" len="sm"/>
-            <a:tailEnd type="none" w="sm" len="sm"/>
-          </a:ln>
-          <a:effectLst>
-            <a:outerShdw blurRad="40000" dist="20000" dir="5400000" rotWithShape="0">
-              <a:srgbClr val="000000">
-                <a:alpha val="37647"/>
-              </a:srgbClr>
-            </a:outerShdw>
-          </a:effectLst>
-        </p:spPr>
-        <p:txBody>
-          <a:bodyPr spcFirstLastPara="1" wrap="square" lIns="104475" tIns="52225" rIns="104475" bIns="52225" anchor="ctr" anchorCtr="0">
-            <a:normAutofit/>
-          </a:bodyPr>
-          <a:lstStyle/>
-          <a:p>
-            <a:pPr marL="0" lvl="0" indent="0" algn="ctr" rtl="0">
-              <a:spcBef>
-                <a:spcPts val="0"/>
-              </a:spcBef>
-              <a:spcAft>
-                <a:spcPts val="0"/>
-              </a:spcAft>
-              <a:buClr>
-                <a:schemeClr val="lt1"/>
-              </a:buClr>
-              <a:buSzPts val="5000"/>
-              <a:buFont typeface="Calibri"/>
-              <a:buNone/>
-            </a:pPr>
-            <a:r>
-              <a:rPr lang="en-IN" sz="4500" dirty="0">
-                <a:solidFill>
-                  <a:schemeClr val="lt1"/>
-                </a:solidFill>
-              </a:rPr>
-              <a:t>Methodology</a:t>
-            </a:r>
-            <a:endParaRPr sz="4500" dirty="0">
-              <a:solidFill>
-                <a:schemeClr val="lt1"/>
-              </a:solidFill>
-            </a:endParaRPr>
-          </a:p>
-        </p:txBody>
-      </p:sp>
-      <p:sp>
-        <p:nvSpPr>
-          <p:cNvPr id="3" name="Text Placeholder 2"/>
-          <p:cNvSpPr>
-            <a:spLocks noGrp="1"/>
-          </p:cNvSpPr>
-          <p:nvPr>
-            <p:ph idx="1"/>
-          </p:nvPr>
-        </p:nvSpPr>
-        <p:spPr>
-          <a:xfrm>
-            <a:off x="548640" y="1626913"/>
-            <a:ext cx="9875520" cy="4827694"/>
-          </a:xfrm>
-        </p:spPr>
-        <p:txBody>
-          <a:bodyPr>
-            <a:normAutofit lnSpcReduction="10000"/>
-          </a:bodyPr>
-          <a:lstStyle/>
-          <a:p>
-            <a:pPr>
-              <a:buFont typeface="Wingdings" panose="05000000000000000000" pitchFamily="2" charset="2"/>
-              <a:buChar char="v"/>
-            </a:pPr>
-            <a:r>
-              <a:rPr lang="en-IN" sz="1800" b="1" i="0" dirty="0">
-                <a:effectLst/>
-                <a:latin typeface="Verdana" panose="020B0604030504040204" pitchFamily="34" charset="0"/>
-              </a:rPr>
-              <a:t>Install Bus Information</a:t>
-            </a:r>
-          </a:p>
-          <a:p>
-            <a:pPr marL="0" indent="0" algn="just">
-              <a:buNone/>
-            </a:pPr>
-            <a:r>
-              <a:rPr lang="en-US" sz="1800" b="0" i="0" dirty="0">
-                <a:effectLst/>
-                <a:latin typeface="Verdana" panose="020B0604030504040204" pitchFamily="34" charset="0"/>
-                <a:ea typeface="Verdana" panose="020B0604030504040204" pitchFamily="34" charset="0"/>
-                <a:cs typeface="Times New Roman" panose="02020603050405020304" pitchFamily="18" charset="0"/>
-              </a:rPr>
-              <a:t>This feature allows you to install a typical bus information before it can be reserved by the passengers or shown in buses available. It includes the bus no., driver’s name, arrival time, departure time and destination (from and to) of the bus.</a:t>
-            </a:r>
-            <a:endParaRPr lang="en-IN" sz="1800" b="1" i="0" dirty="0">
-              <a:effectLst/>
-              <a:latin typeface="Verdana" panose="020B0604030504040204" pitchFamily="34" charset="0"/>
-              <a:ea typeface="Verdana" panose="020B0604030504040204" pitchFamily="34" charset="0"/>
-              <a:cs typeface="Times New Roman" panose="02020603050405020304" pitchFamily="18" charset="0"/>
-            </a:endParaRPr>
-          </a:p>
-          <a:p>
-            <a:pPr>
-              <a:buFont typeface="Wingdings" panose="05000000000000000000" pitchFamily="2" charset="2"/>
-              <a:buChar char="v"/>
-            </a:pPr>
-            <a:r>
-              <a:rPr lang="en-IN" sz="1800" b="1" i="0" dirty="0">
-                <a:effectLst/>
-                <a:latin typeface="Verdana" panose="020B0604030504040204" pitchFamily="34" charset="0"/>
-              </a:rPr>
-              <a:t>Reservation</a:t>
-            </a:r>
-          </a:p>
-          <a:p>
-            <a:pPr marL="0" indent="0" algn="just">
-              <a:buNone/>
-            </a:pPr>
-            <a:r>
-              <a:rPr lang="en-US" sz="1800" b="0" i="0" dirty="0">
-                <a:effectLst/>
-                <a:latin typeface="Verdana" panose="020B0604030504040204" pitchFamily="34" charset="0"/>
-              </a:rPr>
-              <a:t>This feature is very simple; it includes the bus no., seat number and the passenger’s name. The seat number of the particular bus is reserved under the passenger’s name.</a:t>
-            </a:r>
-            <a:endParaRPr lang="en-IN" sz="1800" dirty="0"/>
-          </a:p>
-          <a:p>
-            <a:pPr>
-              <a:buFont typeface="Wingdings" panose="05000000000000000000" pitchFamily="2" charset="2"/>
-              <a:buChar char="v"/>
-            </a:pPr>
-            <a:r>
-              <a:rPr lang="en-IN" sz="1800" b="1" i="0" dirty="0">
-                <a:effectLst/>
-                <a:latin typeface="Verdana" panose="020B0604030504040204" pitchFamily="34" charset="0"/>
-                <a:ea typeface="Verdana" panose="020B0604030504040204" pitchFamily="34" charset="0"/>
-              </a:rPr>
-              <a:t>Show Reservation Information</a:t>
-            </a:r>
-          </a:p>
-          <a:p>
-            <a:pPr marL="0" indent="0" algn="just">
-              <a:buNone/>
-            </a:pPr>
-            <a:r>
-              <a:rPr lang="en-US" sz="1800" b="0" i="0" dirty="0">
-                <a:effectLst/>
-                <a:latin typeface="Verdana" panose="020B0604030504040204" pitchFamily="34" charset="0"/>
-              </a:rPr>
-              <a:t>This feature is very simple; it includes the bus no., seat number and the passenger’s name. The seat number of the particular bus is reserved under the passenger’s name.</a:t>
-            </a:r>
-            <a:endParaRPr lang="en-IN" sz="1800" b="1" i="0" dirty="0">
-              <a:effectLst/>
-              <a:latin typeface="Verdana" panose="020B0604030504040204" pitchFamily="34" charset="0"/>
-              <a:ea typeface="Verdana" panose="020B0604030504040204" pitchFamily="34" charset="0"/>
-            </a:endParaRPr>
-          </a:p>
-          <a:p>
-            <a:pPr>
-              <a:buFont typeface="Wingdings" panose="05000000000000000000" pitchFamily="2" charset="2"/>
-              <a:buChar char="v"/>
-            </a:pPr>
-            <a:r>
-              <a:rPr lang="en-IN" sz="1800" b="1" i="0" dirty="0">
-                <a:effectLst/>
-                <a:latin typeface="Verdana" panose="020B0604030504040204" pitchFamily="34" charset="0"/>
-              </a:rPr>
-              <a:t>Buses Available</a:t>
-            </a:r>
-          </a:p>
-          <a:p>
-            <a:pPr marL="0" indent="0" algn="just">
-              <a:buNone/>
-            </a:pPr>
-            <a:r>
-              <a:rPr lang="en-US" sz="1800" b="0" i="0" dirty="0">
-                <a:effectLst/>
-                <a:latin typeface="Verdana" panose="020B0604030504040204" pitchFamily="34" charset="0"/>
-              </a:rPr>
-              <a:t>This feature simply shows the buses available for reservation, and the information regarding the bus no. stored under the first feature.</a:t>
-            </a:r>
-            <a:endParaRPr lang="en-IN" sz="1800" dirty="0">
-              <a:latin typeface="Verdana" panose="020B0604030504040204" pitchFamily="34" charset="0"/>
-              <a:ea typeface="Verdana" panose="020B0604030504040204" pitchFamily="34" charset="0"/>
-            </a:endParaRPr>
-          </a:p>
-          <a:p>
-            <a:pPr marL="0" indent="0">
-              <a:buNone/>
-            </a:pPr>
-            <a:endParaRPr lang="en-IN" sz="1800" b="1" i="0" dirty="0">
-              <a:effectLst/>
-              <a:latin typeface="Verdana" panose="020B0604030504040204" pitchFamily="34" charset="0"/>
-            </a:endParaRPr>
-          </a:p>
-        </p:txBody>
-      </p:sp>
-      <p:sp>
-        <p:nvSpPr>
-          <p:cNvPr id="5" name="Slide Number Placeholder 4"/>
-          <p:cNvSpPr>
-            <a:spLocks noGrp="1"/>
-          </p:cNvSpPr>
-          <p:nvPr>
-            <p:ph type="sldNum" sz="quarter" idx="12"/>
-          </p:nvPr>
-        </p:nvSpPr>
-        <p:spPr/>
-        <p:txBody>
-          <a:bodyPr/>
-          <a:lstStyle/>
-          <a:p>
-            <a:pPr marL="0" lvl="0" indent="0" algn="r" rtl="0">
-              <a:spcBef>
-                <a:spcPts val="0"/>
-              </a:spcBef>
-              <a:spcAft>
-                <a:spcPts val="0"/>
-              </a:spcAft>
-              <a:buNone/>
-            </a:pPr>
-            <a:fld id="{00000000-1234-1234-1234-123412341234}" type="slidenum">
-              <a:rPr lang="en-US" smtClean="0"/>
               <a:t>9</a:t>
             </a:fld>
             <a:endParaRPr lang="en-US"/>
@@ -12772,11 +13609,6 @@
         </p:txBody>
       </p:sp>
     </p:spTree>
-    <p:extLst>
-      <p:ext uri="{BB962C8B-B14F-4D97-AF65-F5344CB8AC3E}">
-        <p14:creationId xmlns:p14="http://schemas.microsoft.com/office/powerpoint/2010/main" val="3179599293"/>
-      </p:ext>
-    </p:extLst>
   </p:cSld>
   <p:clrMapOvr>
     <a:masterClrMapping/>
